--- a/class_notes_1.pptx
+++ b/class_notes_1.pptx
@@ -5,7 +5,7 @@
     <p:sldMasterId id="2147483660" r:id="rId1"/>
   </p:sldMasterIdLst>
   <p:notesMasterIdLst>
-    <p:notesMasterId r:id="rId32"/>
+    <p:notesMasterId r:id="rId36"/>
   </p:notesMasterIdLst>
   <p:sldIdLst>
     <p:sldId id="256" r:id="rId2"/>
@@ -25,19 +25,23 @@
     <p:sldId id="267" r:id="rId16"/>
     <p:sldId id="268" r:id="rId17"/>
     <p:sldId id="276" r:id="rId18"/>
-    <p:sldId id="287" r:id="rId19"/>
-    <p:sldId id="288" r:id="rId20"/>
-    <p:sldId id="289" r:id="rId21"/>
-    <p:sldId id="290" r:id="rId22"/>
-    <p:sldId id="277" r:id="rId23"/>
-    <p:sldId id="265" r:id="rId24"/>
-    <p:sldId id="280" r:id="rId25"/>
-    <p:sldId id="272" r:id="rId26"/>
-    <p:sldId id="273" r:id="rId27"/>
-    <p:sldId id="275" r:id="rId28"/>
-    <p:sldId id="274" r:id="rId29"/>
-    <p:sldId id="270" r:id="rId30"/>
-    <p:sldId id="278" r:id="rId31"/>
+    <p:sldId id="292" r:id="rId19"/>
+    <p:sldId id="287" r:id="rId20"/>
+    <p:sldId id="288" r:id="rId21"/>
+    <p:sldId id="289" r:id="rId22"/>
+    <p:sldId id="290" r:id="rId23"/>
+    <p:sldId id="293" r:id="rId24"/>
+    <p:sldId id="291" r:id="rId25"/>
+    <p:sldId id="277" r:id="rId26"/>
+    <p:sldId id="294" r:id="rId27"/>
+    <p:sldId id="265" r:id="rId28"/>
+    <p:sldId id="280" r:id="rId29"/>
+    <p:sldId id="272" r:id="rId30"/>
+    <p:sldId id="273" r:id="rId31"/>
+    <p:sldId id="275" r:id="rId32"/>
+    <p:sldId id="274" r:id="rId33"/>
+    <p:sldId id="270" r:id="rId34"/>
+    <p:sldId id="278" r:id="rId35"/>
   </p:sldIdLst>
   <p:sldSz cx="12192000" cy="6858000"/>
   <p:notesSz cx="6858000" cy="9144000"/>
@@ -148,6 +152,8 @@
 <p1510:revInfo xmlns:a="http://schemas.openxmlformats.org/drawingml/2006/main" xmlns:r="http://schemas.openxmlformats.org/officeDocument/2006/relationships" xmlns:p1510="http://schemas.microsoft.com/office/powerpoint/2015/10/main">
   <p1510:revLst>
     <p1510:client id="{142E98D7-908D-C8F3-D38B-263B66468221}" v="5" dt="2018-08-18T11:35:56.024"/>
+    <p1510:client id="{78044F43-7154-2C98-DDA6-7A0812BE515A}" v="1" dt="2018-08-18T17:02:16.255"/>
+    <p1510:client id="{B82C219C-7F32-E7AB-D439-56F4CE9020B2}" v="5" dt="2018-08-18T17:21:15.987"/>
   </p1510:revLst>
 </p1510:revInfo>
 </file>
@@ -687,8 +693,40 @@
           <a:lstStyle/>
           <a:p>
             <a:r>
+              <a:rPr lang="en-US"/>
+              <a:t>Image: </a:t>
+            </a:r>
+            <a:r>
+              <a:rPr lang="en-US" dirty="0">
+                <a:hlinkClick r:id="rId3"/>
+              </a:rPr>
+              <a:t>https://www.excel-easy.com/examples/import-export-text-files.html</a:t>
+            </a:r>
+            <a:endParaRPr lang="en-US">
+              <a:cs typeface="Calibri"/>
+            </a:endParaRPr>
+          </a:p>
+          <a:p>
+            <a:endParaRPr lang="en-US" dirty="0">
+              <a:cs typeface="Calibri"/>
+            </a:endParaRPr>
+          </a:p>
+          <a:p>
+            <a:r>
+              <a:rPr lang="en-US" dirty="0">
+                <a:hlinkClick r:id="rId4"/>
+              </a:rPr>
+              <a:t>https://tools.ietf.org/html/rfc4180</a:t>
+            </a:r>
+            <a:endParaRPr lang="en-US">
+              <a:cs typeface="Calibri"/>
+              <a:hlinkClick r:id="rId4"/>
+            </a:endParaRPr>
+          </a:p>
+          <a:p>
+            <a:r>
               <a:rPr lang="en-US" dirty="0"/>
-              <a:t>https://www.excel-easy.com/examples/import-export-text-files.html</a:t>
+              <a:t>https://stackoverflow.com/questions/17808511/properly-escape-a-double-quote-in-csv</a:t>
             </a:r>
             <a:endParaRPr lang="en-US"/>
           </a:p>
@@ -720,7 +758,7 @@
     </p:spTree>
     <p:extLst>
       <p:ext uri="{BB962C8B-B14F-4D97-AF65-F5344CB8AC3E}">
-        <p14:creationId xmlns:p14="http://schemas.microsoft.com/office/powerpoint/2010/main" val="776034772"/>
+        <p14:creationId xmlns:p14="http://schemas.microsoft.com/office/powerpoint/2010/main" val="1302300618"/>
       </p:ext>
     </p:extLst>
   </p:cSld>
@@ -776,9 +814,8 @@
           <a:p>
             <a:r>
               <a:rPr lang="en-US" dirty="0"/>
-              <a:t>https://www.excel-easy.com/examples/import-export-text-files.html</a:t>
-            </a:r>
-            <a:endParaRPr lang="en-US"/>
+              <a:t>https://en.wikipedia.org/wiki/Delimiter-separated_values</a:t>
+            </a:r>
           </a:p>
         </p:txBody>
       </p:sp>
@@ -808,7 +845,7 @@
     </p:spTree>
     <p:extLst>
       <p:ext uri="{BB962C8B-B14F-4D97-AF65-F5344CB8AC3E}">
-        <p14:creationId xmlns:p14="http://schemas.microsoft.com/office/powerpoint/2010/main" val="2417771847"/>
+        <p14:creationId xmlns:p14="http://schemas.microsoft.com/office/powerpoint/2010/main" val="776034772"/>
       </p:ext>
     </p:extLst>
   </p:cSld>
@@ -864,8 +901,9 @@
           <a:p>
             <a:r>
               <a:rPr lang="en-US" dirty="0"/>
-              <a:t>https://web.stanford.edu/class/stats101/intro/intro-lecture01.pdf</a:t>
-            </a:r>
+              <a:t>https://www.excel-easy.com/examples/import-export-text-files.html</a:t>
+            </a:r>
+            <a:endParaRPr lang="en-US"/>
           </a:p>
         </p:txBody>
       </p:sp>
@@ -895,7 +933,7 @@
     </p:spTree>
     <p:extLst>
       <p:ext uri="{BB962C8B-B14F-4D97-AF65-F5344CB8AC3E}">
-        <p14:creationId xmlns:p14="http://schemas.microsoft.com/office/powerpoint/2010/main" val="1082885755"/>
+        <p14:creationId xmlns:p14="http://schemas.microsoft.com/office/powerpoint/2010/main" val="2417771847"/>
       </p:ext>
     </p:extLst>
   </p:cSld>
@@ -951,8 +989,9 @@
           <a:p>
             <a:r>
               <a:rPr lang="en-US" dirty="0"/>
-              <a:t>https://harveymilk.com/hmcra-family-survey-2/</a:t>
-            </a:r>
+              <a:t>https://www.excel-easy.com/examples/import-export-text-files.html</a:t>
+            </a:r>
+            <a:endParaRPr lang="en-US"/>
           </a:p>
         </p:txBody>
       </p:sp>
@@ -973,7 +1012,7 @@
           <a:p>
             <a:fld id="{D0D39104-115C-4501-A673-075924DC6C31}" type="slidenum">
               <a:rPr lang="en-US"/>
-              <a:t>24</a:t>
+              <a:t>23</a:t>
             </a:fld>
             <a:endParaRPr lang="en-US"/>
           </a:p>
@@ -982,7 +1021,7 @@
     </p:spTree>
     <p:extLst>
       <p:ext uri="{BB962C8B-B14F-4D97-AF65-F5344CB8AC3E}">
-        <p14:creationId xmlns:p14="http://schemas.microsoft.com/office/powerpoint/2010/main" val="2737648737"/>
+        <p14:creationId xmlns:p14="http://schemas.microsoft.com/office/powerpoint/2010/main" val="1973833008"/>
       </p:ext>
     </p:extLst>
   </p:cSld>
@@ -1037,25 +1076,9 @@
           <a:lstStyle/>
           <a:p>
             <a:r>
-              <a:rPr lang="en-US" dirty="0">
-                <a:hlinkClick r:id="rId3"/>
-              </a:rPr>
-              <a:t>http://finalfantasy.wikia.com/wiki/Level_grinding</a:t>
-            </a:r>
-          </a:p>
-          <a:p>
-            <a:endParaRPr lang="en-US" dirty="0">
-              <a:cs typeface="Calibri"/>
-            </a:endParaRPr>
-          </a:p>
-          <a:p>
-            <a:r>
               <a:rPr lang="en-US" dirty="0"/>
-              <a:t>https://en.wikipedia.org/wiki/Grinding_(gaming)</a:t>
-            </a:r>
-            <a:endParaRPr lang="en-US" dirty="0">
-              <a:cs typeface="Calibri"/>
-            </a:endParaRPr>
+              <a:t>https://web.stanford.edu/class/stats101/intro/intro-lecture01.pdf</a:t>
+            </a:r>
           </a:p>
         </p:txBody>
       </p:sp>
@@ -1076,7 +1099,7 @@
           <a:p>
             <a:fld id="{D0D39104-115C-4501-A673-075924DC6C31}" type="slidenum">
               <a:rPr lang="en-US"/>
-              <a:t>27</a:t>
+              <a:t>25</a:t>
             </a:fld>
             <a:endParaRPr lang="en-US"/>
           </a:p>
@@ -1085,7 +1108,7 @@
     </p:spTree>
     <p:extLst>
       <p:ext uri="{BB962C8B-B14F-4D97-AF65-F5344CB8AC3E}">
-        <p14:creationId xmlns:p14="http://schemas.microsoft.com/office/powerpoint/2010/main" val="641840167"/>
+        <p14:creationId xmlns:p14="http://schemas.microsoft.com/office/powerpoint/2010/main" val="1082885755"/>
       </p:ext>
     </p:extLst>
   </p:cSld>
@@ -1140,25 +1163,9 @@
           <a:lstStyle/>
           <a:p>
             <a:r>
-              <a:rPr lang="en-US" dirty="0">
-                <a:hlinkClick r:id="rId3"/>
-              </a:rPr>
-              <a:t>https://www.vhtcx.com/wp-content/uploads/2015/02/canstockphoto3986275.jpg</a:t>
-            </a:r>
-          </a:p>
-          <a:p>
-            <a:endParaRPr lang="en-US" dirty="0">
-              <a:cs typeface="Calibri"/>
-            </a:endParaRPr>
-          </a:p>
-          <a:p>
-            <a:r>
               <a:rPr lang="en-US" dirty="0"/>
-              <a:t>https://www.vhtcx.com/blog/5-causes-customer-frustration-fix/</a:t>
-            </a:r>
-            <a:endParaRPr lang="en-US" dirty="0">
-              <a:cs typeface="Calibri"/>
-            </a:endParaRPr>
+              <a:t>https://harveymilk.com/hmcra-family-survey-2/</a:t>
+            </a:r>
           </a:p>
         </p:txBody>
       </p:sp>
@@ -1179,7 +1186,7 @@
           <a:p>
             <a:fld id="{D0D39104-115C-4501-A673-075924DC6C31}" type="slidenum">
               <a:rPr lang="en-US"/>
-              <a:t>29</a:t>
+              <a:t>28</a:t>
             </a:fld>
             <a:endParaRPr lang="en-US"/>
           </a:p>
@@ -1188,7 +1195,7 @@
     </p:spTree>
     <p:extLst>
       <p:ext uri="{BB962C8B-B14F-4D97-AF65-F5344CB8AC3E}">
-        <p14:creationId xmlns:p14="http://schemas.microsoft.com/office/powerpoint/2010/main" val="3519503497"/>
+        <p14:creationId xmlns:p14="http://schemas.microsoft.com/office/powerpoint/2010/main" val="2737648737"/>
       </p:ext>
     </p:extLst>
   </p:cSld>
@@ -1243,6 +1250,212 @@
           <a:lstStyle/>
           <a:p>
             <a:r>
+              <a:rPr lang="en-US" dirty="0">
+                <a:hlinkClick r:id="rId3"/>
+              </a:rPr>
+              <a:t>http://finalfantasy.wikia.com/wiki/Level_grinding</a:t>
+            </a:r>
+          </a:p>
+          <a:p>
+            <a:endParaRPr lang="en-US" dirty="0">
+              <a:cs typeface="Calibri"/>
+            </a:endParaRPr>
+          </a:p>
+          <a:p>
+            <a:r>
+              <a:rPr lang="en-US" dirty="0"/>
+              <a:t>https://en.wikipedia.org/wiki/Grinding_(gaming)</a:t>
+            </a:r>
+            <a:endParaRPr lang="en-US" dirty="0">
+              <a:cs typeface="Calibri"/>
+            </a:endParaRPr>
+          </a:p>
+        </p:txBody>
+      </p:sp>
+      <p:sp>
+        <p:nvSpPr>
+          <p:cNvPr id="4" name="Slide Number Placeholder 3"/>
+          <p:cNvSpPr>
+            <a:spLocks noGrp="1"/>
+          </p:cNvSpPr>
+          <p:nvPr>
+            <p:ph type="sldNum" sz="quarter" idx="5"/>
+          </p:nvPr>
+        </p:nvSpPr>
+        <p:spPr/>
+        <p:txBody>
+          <a:bodyPr/>
+          <a:lstStyle/>
+          <a:p>
+            <a:fld id="{D0D39104-115C-4501-A673-075924DC6C31}" type="slidenum">
+              <a:rPr lang="en-US"/>
+              <a:t>31</a:t>
+            </a:fld>
+            <a:endParaRPr lang="en-US"/>
+          </a:p>
+        </p:txBody>
+      </p:sp>
+    </p:spTree>
+    <p:extLst>
+      <p:ext uri="{BB962C8B-B14F-4D97-AF65-F5344CB8AC3E}">
+        <p14:creationId xmlns:p14="http://schemas.microsoft.com/office/powerpoint/2010/main" val="641840167"/>
+      </p:ext>
+    </p:extLst>
+  </p:cSld>
+  <p:clrMapOvr>
+    <a:masterClrMapping/>
+  </p:clrMapOvr>
+</p:notes>
+</file>
+
+<file path=ppt/notesSlides/notesSlide17.xml><?xml version="1.0" encoding="utf-8"?>
+<p:notes xmlns:a="http://schemas.openxmlformats.org/drawingml/2006/main" xmlns:r="http://schemas.openxmlformats.org/officeDocument/2006/relationships" xmlns:p="http://schemas.openxmlformats.org/presentationml/2006/main">
+  <p:cSld>
+    <p:spTree>
+      <p:nvGrpSpPr>
+        <p:cNvPr id="1" name=""/>
+        <p:cNvGrpSpPr/>
+        <p:nvPr/>
+      </p:nvGrpSpPr>
+      <p:grpSpPr>
+        <a:xfrm>
+          <a:off x="0" y="0"/>
+          <a:ext cx="0" cy="0"/>
+          <a:chOff x="0" y="0"/>
+          <a:chExt cx="0" cy="0"/>
+        </a:xfrm>
+      </p:grpSpPr>
+      <p:sp>
+        <p:nvSpPr>
+          <p:cNvPr id="2" name="Slide Image Placeholder 1"/>
+          <p:cNvSpPr>
+            <a:spLocks noGrp="1" noRot="1" noChangeAspect="1"/>
+          </p:cNvSpPr>
+          <p:nvPr>
+            <p:ph type="sldImg"/>
+          </p:nvPr>
+        </p:nvSpPr>
+        <p:spPr/>
+      </p:sp>
+      <p:sp>
+        <p:nvSpPr>
+          <p:cNvPr id="3" name="Notes Placeholder 2"/>
+          <p:cNvSpPr>
+            <a:spLocks noGrp="1"/>
+          </p:cNvSpPr>
+          <p:nvPr>
+            <p:ph type="body" idx="1"/>
+          </p:nvPr>
+        </p:nvSpPr>
+        <p:spPr/>
+        <p:txBody>
+          <a:bodyPr/>
+          <a:lstStyle/>
+          <a:p>
+            <a:r>
+              <a:rPr lang="en-US" dirty="0">
+                <a:hlinkClick r:id="rId3"/>
+              </a:rPr>
+              <a:t>https://www.vhtcx.com/wp-content/uploads/2015/02/canstockphoto3986275.jpg</a:t>
+            </a:r>
+          </a:p>
+          <a:p>
+            <a:endParaRPr lang="en-US" dirty="0">
+              <a:cs typeface="Calibri"/>
+            </a:endParaRPr>
+          </a:p>
+          <a:p>
+            <a:r>
+              <a:rPr lang="en-US" dirty="0"/>
+              <a:t>https://www.vhtcx.com/blog/5-causes-customer-frustration-fix/</a:t>
+            </a:r>
+            <a:endParaRPr lang="en-US" dirty="0">
+              <a:cs typeface="Calibri"/>
+            </a:endParaRPr>
+          </a:p>
+        </p:txBody>
+      </p:sp>
+      <p:sp>
+        <p:nvSpPr>
+          <p:cNvPr id="4" name="Slide Number Placeholder 3"/>
+          <p:cNvSpPr>
+            <a:spLocks noGrp="1"/>
+          </p:cNvSpPr>
+          <p:nvPr>
+            <p:ph type="sldNum" sz="quarter" idx="5"/>
+          </p:nvPr>
+        </p:nvSpPr>
+        <p:spPr/>
+        <p:txBody>
+          <a:bodyPr/>
+          <a:lstStyle/>
+          <a:p>
+            <a:fld id="{D0D39104-115C-4501-A673-075924DC6C31}" type="slidenum">
+              <a:rPr lang="en-US"/>
+              <a:t>33</a:t>
+            </a:fld>
+            <a:endParaRPr lang="en-US"/>
+          </a:p>
+        </p:txBody>
+      </p:sp>
+    </p:spTree>
+    <p:extLst>
+      <p:ext uri="{BB962C8B-B14F-4D97-AF65-F5344CB8AC3E}">
+        <p14:creationId xmlns:p14="http://schemas.microsoft.com/office/powerpoint/2010/main" val="3519503497"/>
+      </p:ext>
+    </p:extLst>
+  </p:cSld>
+  <p:clrMapOvr>
+    <a:masterClrMapping/>
+  </p:clrMapOvr>
+</p:notes>
+</file>
+
+<file path=ppt/notesSlides/notesSlide18.xml><?xml version="1.0" encoding="utf-8"?>
+<p:notes xmlns:a="http://schemas.openxmlformats.org/drawingml/2006/main" xmlns:r="http://schemas.openxmlformats.org/officeDocument/2006/relationships" xmlns:p="http://schemas.openxmlformats.org/presentationml/2006/main">
+  <p:cSld>
+    <p:spTree>
+      <p:nvGrpSpPr>
+        <p:cNvPr id="1" name=""/>
+        <p:cNvGrpSpPr/>
+        <p:nvPr/>
+      </p:nvGrpSpPr>
+      <p:grpSpPr>
+        <a:xfrm>
+          <a:off x="0" y="0"/>
+          <a:ext cx="0" cy="0"/>
+          <a:chOff x="0" y="0"/>
+          <a:chExt cx="0" cy="0"/>
+        </a:xfrm>
+      </p:grpSpPr>
+      <p:sp>
+        <p:nvSpPr>
+          <p:cNvPr id="2" name="Slide Image Placeholder 1"/>
+          <p:cNvSpPr>
+            <a:spLocks noGrp="1" noRot="1" noChangeAspect="1"/>
+          </p:cNvSpPr>
+          <p:nvPr>
+            <p:ph type="sldImg"/>
+          </p:nvPr>
+        </p:nvSpPr>
+        <p:spPr/>
+      </p:sp>
+      <p:sp>
+        <p:nvSpPr>
+          <p:cNvPr id="3" name="Notes Placeholder 2"/>
+          <p:cNvSpPr>
+            <a:spLocks noGrp="1"/>
+          </p:cNvSpPr>
+          <p:nvPr>
+            <p:ph type="body" idx="1"/>
+          </p:nvPr>
+        </p:nvSpPr>
+        <p:spPr/>
+        <p:txBody>
+          <a:bodyPr/>
+          <a:lstStyle/>
+          <a:p>
+            <a:r>
               <a:rPr lang="en-US">
                 <a:cs typeface="Calibri"/>
               </a:rPr>
@@ -1275,7 +1488,7 @@
           <a:p>
             <a:fld id="{D0D39104-115C-4501-A673-075924DC6C31}" type="slidenum">
               <a:rPr lang="en-US"/>
-              <a:t>30</a:t>
+              <a:t>34</a:t>
             </a:fld>
             <a:endParaRPr lang="en-US"/>
           </a:p>
@@ -1826,7 +2039,46 @@
               <a:rPr lang="en-US" dirty="0">
                 <a:cs typeface="Calibri"/>
               </a:rPr>
-              <a:t>An outline of what I plan to cover</a:t>
+              <a:t>An outline of what I plan to cover in Data 601</a:t>
+            </a:r>
+          </a:p>
+          <a:p>
+            <a:endParaRPr lang="en-US" dirty="0">
+              <a:cs typeface="Calibri"/>
+            </a:endParaRPr>
+          </a:p>
+          <a:p>
+            <a:r>
+              <a:rPr lang="en-US" dirty="0">
+                <a:hlinkClick r:id="rId3"/>
+              </a:rPr>
+              <a:t>https://www.loc.gov/preservation/resources/rfs/</a:t>
+            </a:r>
+            <a:endParaRPr lang="en-US" dirty="0">
+              <a:cs typeface="Calibri"/>
+              <a:hlinkClick r:id="rId3"/>
+            </a:endParaRPr>
+          </a:p>
+          <a:p>
+            <a:r>
+              <a:rPr lang="en-US" dirty="0">
+                <a:hlinkClick r:id="rId4"/>
+              </a:rPr>
+              <a:t>https://www.loc.gov/preservation/resources/rfs/TOC.html</a:t>
+            </a:r>
+            <a:endParaRPr lang="en-US" dirty="0">
+              <a:cs typeface="Calibri"/>
+            </a:endParaRPr>
+          </a:p>
+          <a:p>
+            <a:endParaRPr lang="en-US" dirty="0">
+              <a:cs typeface="Calibri"/>
+            </a:endParaRPr>
+          </a:p>
+          <a:p>
+            <a:r>
+              <a:rPr lang="en-US" dirty="0"/>
+              <a:t>https://www.loc.gov/preservation/resources/rfs/stillimg.html#photodigital</a:t>
             </a:r>
           </a:p>
         </p:txBody>
@@ -1912,10 +2164,37 @@
           <a:lstStyle/>
           <a:p>
             <a:r>
+              <a:rPr lang="en-US" dirty="0">
+                <a:cs typeface="Calibri"/>
+              </a:rPr>
+              <a:t>An outline of what I plan to cover in Data 601</a:t>
+            </a:r>
+          </a:p>
+          <a:p>
+            <a:endParaRPr lang="en-US" dirty="0">
+              <a:cs typeface="Calibri"/>
+            </a:endParaRPr>
+          </a:p>
+          <a:p>
+            <a:r>
+              <a:rPr lang="en-US" dirty="0">
+                <a:hlinkClick r:id="rId3"/>
+              </a:rPr>
+              <a:t>https://www.loc.gov/preservation/resources/rfs/</a:t>
+            </a:r>
+            <a:endParaRPr lang="en-US" dirty="0">
+              <a:cs typeface="Calibri"/>
+              <a:hlinkClick r:id="rId3"/>
+            </a:endParaRPr>
+          </a:p>
+          <a:p>
+            <a:r>
               <a:rPr lang="en-US" dirty="0"/>
-              <a:t>https://www.excel-easy.com/examples/import-export-text-files.html</a:t>
-            </a:r>
-            <a:endParaRPr lang="en-US"/>
+              <a:t>https://www.loc.gov/preservation/resources/rfs/TOC.html</a:t>
+            </a:r>
+            <a:endParaRPr lang="en-US" dirty="0">
+              <a:cs typeface="Calibri"/>
+            </a:endParaRPr>
           </a:p>
         </p:txBody>
       </p:sp>
@@ -1945,7 +2224,7 @@
     </p:spTree>
     <p:extLst>
       <p:ext uri="{BB962C8B-B14F-4D97-AF65-F5344CB8AC3E}">
-        <p14:creationId xmlns:p14="http://schemas.microsoft.com/office/powerpoint/2010/main" val="1115717720"/>
+        <p14:creationId xmlns:p14="http://schemas.microsoft.com/office/powerpoint/2010/main" val="1494516045"/>
       </p:ext>
     </p:extLst>
   </p:cSld>
@@ -2000,40 +2279,8 @@
           <a:lstStyle/>
           <a:p>
             <a:r>
-              <a:rPr lang="en-US"/>
-              <a:t>Image: </a:t>
-            </a:r>
-            <a:r>
-              <a:rPr lang="en-US" dirty="0">
-                <a:hlinkClick r:id="rId3"/>
-              </a:rPr>
+              <a:rPr lang="en-US" dirty="0"/>
               <a:t>https://www.excel-easy.com/examples/import-export-text-files.html</a:t>
-            </a:r>
-            <a:endParaRPr lang="en-US">
-              <a:cs typeface="Calibri"/>
-            </a:endParaRPr>
-          </a:p>
-          <a:p>
-            <a:endParaRPr lang="en-US" dirty="0">
-              <a:cs typeface="Calibri"/>
-            </a:endParaRPr>
-          </a:p>
-          <a:p>
-            <a:r>
-              <a:rPr lang="en-US" dirty="0">
-                <a:hlinkClick r:id="rId4"/>
-              </a:rPr>
-              <a:t>https://tools.ietf.org/html/rfc4180</a:t>
-            </a:r>
-            <a:endParaRPr lang="en-US">
-              <a:cs typeface="Calibri"/>
-              <a:hlinkClick r:id="rId4"/>
-            </a:endParaRPr>
-          </a:p>
-          <a:p>
-            <a:r>
-              <a:rPr lang="en-US" dirty="0"/>
-              <a:t>https://stackoverflow.com/questions/17808511/properly-escape-a-double-quote-in-csv</a:t>
             </a:r>
             <a:endParaRPr lang="en-US"/>
           </a:p>
@@ -2065,7 +2312,7 @@
     </p:spTree>
     <p:extLst>
       <p:ext uri="{BB962C8B-B14F-4D97-AF65-F5344CB8AC3E}">
-        <p14:creationId xmlns:p14="http://schemas.microsoft.com/office/powerpoint/2010/main" val="1302300618"/>
+        <p14:creationId xmlns:p14="http://schemas.microsoft.com/office/powerpoint/2010/main" val="1115717720"/>
       </p:ext>
     </p:extLst>
   </p:cSld>
@@ -6231,6 +6478,290 @@
           <p:cNvPr id="2" name="Title 1">
             <a:extLst>
               <a:ext uri="{FF2B5EF4-FFF2-40B4-BE49-F238E27FC236}">
+                <a16:creationId xmlns:a16="http://schemas.microsoft.com/office/drawing/2014/main" id="{6F470837-2912-4BCE-B8C3-1E3F485FD446}"/>
+              </a:ext>
+            </a:extLst>
+          </p:cNvPr>
+          <p:cNvSpPr>
+            <a:spLocks noGrp="1"/>
+          </p:cNvSpPr>
+          <p:nvPr>
+            <p:ph type="title"/>
+          </p:nvPr>
+        </p:nvSpPr>
+        <p:spPr/>
+        <p:txBody>
+          <a:bodyPr/>
+          <a:lstStyle/>
+          <a:p>
+            <a:r>
+              <a:rPr lang="en-US" dirty="0">
+                <a:cs typeface="Calibri Light"/>
+              </a:rPr>
+              <a:t>data</a:t>
+            </a:r>
+            <a:endParaRPr lang="en-US" dirty="0"/>
+          </a:p>
+        </p:txBody>
+      </p:sp>
+      <p:sp>
+        <p:nvSpPr>
+          <p:cNvPr id="3" name="Content Placeholder 2">
+            <a:extLst>
+              <a:ext uri="{FF2B5EF4-FFF2-40B4-BE49-F238E27FC236}">
+                <a16:creationId xmlns:a16="http://schemas.microsoft.com/office/drawing/2014/main" id="{00BE4C77-0A73-49B2-81D1-823AF169CCC4}"/>
+              </a:ext>
+            </a:extLst>
+          </p:cNvPr>
+          <p:cNvSpPr>
+            <a:spLocks noGrp="1"/>
+          </p:cNvSpPr>
+          <p:nvPr>
+            <p:ph idx="1"/>
+          </p:nvPr>
+        </p:nvSpPr>
+        <p:spPr>
+          <a:xfrm>
+            <a:off x="838200" y="1825625"/>
+            <a:ext cx="3499450" cy="4351338"/>
+          </a:xfrm>
+        </p:spPr>
+        <p:txBody>
+          <a:bodyPr vert="horz" lIns="91440" tIns="45720" rIns="91440" bIns="45720" rtlCol="0" anchor="t">
+            <a:normAutofit/>
+          </a:bodyPr>
+          <a:lstStyle/>
+          <a:p>
+            <a:r>
+              <a:rPr lang="en-US" dirty="0">
+                <a:cs typeface="Calibri"/>
+                <a:hlinkClick r:id="rId3"/>
+              </a:rPr>
+              <a:t>CSV</a:t>
+            </a:r>
+          </a:p>
+          <a:p>
+            <a:r>
+              <a:rPr lang="en-US" dirty="0">
+                <a:cs typeface="Calibri"/>
+                <a:hlinkClick r:id="rId4"/>
+              </a:rPr>
+              <a:t>JSON</a:t>
+            </a:r>
+          </a:p>
+          <a:p>
+            <a:r>
+              <a:rPr lang="en-US" dirty="0">
+                <a:cs typeface="Calibri"/>
+                <a:hlinkClick r:id="rId5"/>
+              </a:rPr>
+              <a:t>XML</a:t>
+            </a:r>
+            <a:endParaRPr lang="en-US">
+              <a:cs typeface="Calibri"/>
+              <a:hlinkClick r:id="rId5"/>
+            </a:endParaRPr>
+          </a:p>
+          <a:p>
+            <a:r>
+              <a:rPr lang="en-US" dirty="0">
+                <a:solidFill>
+                  <a:schemeClr val="accent3"/>
+                </a:solidFill>
+                <a:cs typeface="Calibri"/>
+                <a:hlinkClick r:id="rId6"/>
+              </a:rPr>
+              <a:t>Excel</a:t>
+            </a:r>
+            <a:endParaRPr lang="en-US" dirty="0">
+              <a:solidFill>
+                <a:schemeClr val="accent3"/>
+              </a:solidFill>
+              <a:cs typeface="Calibri"/>
+            </a:endParaRPr>
+          </a:p>
+          <a:p>
+            <a:r>
+              <a:rPr lang="en-US" dirty="0">
+                <a:solidFill>
+                  <a:schemeClr val="accent3"/>
+                </a:solidFill>
+                <a:cs typeface="Calibri"/>
+              </a:rPr>
+              <a:t>Images</a:t>
+            </a:r>
+          </a:p>
+          <a:p>
+            <a:r>
+              <a:rPr lang="en-US" dirty="0">
+                <a:solidFill>
+                  <a:schemeClr val="accent3"/>
+                </a:solidFill>
+                <a:cs typeface="Calibri"/>
+              </a:rPr>
+              <a:t>Unstructured text</a:t>
+            </a:r>
+          </a:p>
+        </p:txBody>
+      </p:sp>
+      <p:sp>
+        <p:nvSpPr>
+          <p:cNvPr id="4" name="Right Brace 3">
+            <a:extLst>
+              <a:ext uri="{FF2B5EF4-FFF2-40B4-BE49-F238E27FC236}">
+                <a16:creationId xmlns:a16="http://schemas.microsoft.com/office/drawing/2014/main" id="{A4B7E66A-2E9D-487E-BFA8-F7E8DB1B1709}"/>
+              </a:ext>
+            </a:extLst>
+          </p:cNvPr>
+          <p:cNvSpPr/>
+          <p:nvPr/>
+        </p:nvSpPr>
+        <p:spPr>
+          <a:xfrm>
+            <a:off x="2265786" y="1857555"/>
+            <a:ext cx="457372" cy="1360098"/>
+          </a:xfrm>
+          <a:prstGeom prst="rightBrace">
+            <a:avLst/>
+          </a:prstGeom>
+          <a:ln w="57150"/>
+        </p:spPr>
+        <p:style>
+          <a:lnRef idx="1">
+            <a:schemeClr val="accent1"/>
+          </a:lnRef>
+          <a:fillRef idx="0">
+            <a:schemeClr val="accent1"/>
+          </a:fillRef>
+          <a:effectRef idx="0">
+            <a:schemeClr val="accent1"/>
+          </a:effectRef>
+          <a:fontRef idx="minor">
+            <a:schemeClr val="tx1"/>
+          </a:fontRef>
+        </p:style>
+        <p:txBody>
+          <a:bodyPr rtlCol="0" anchor="ctr"/>
+          <a:lstStyle/>
+          <a:p>
+            <a:pPr algn="ctr"/>
+            <a:endParaRPr lang="en-US"/>
+          </a:p>
+        </p:txBody>
+      </p:sp>
+      <p:sp>
+        <p:nvSpPr>
+          <p:cNvPr id="5" name="TextBox 4">
+            <a:extLst>
+              <a:ext uri="{FF2B5EF4-FFF2-40B4-BE49-F238E27FC236}">
+                <a16:creationId xmlns:a16="http://schemas.microsoft.com/office/drawing/2014/main" id="{F2761F8E-36E4-4150-BE56-9CAD97BBA157}"/>
+              </a:ext>
+            </a:extLst>
+          </p:cNvPr>
+          <p:cNvSpPr txBox="1"/>
+          <p:nvPr/>
+        </p:nvSpPr>
+        <p:spPr>
+          <a:xfrm>
+            <a:off x="3257910" y="1697965"/>
+            <a:ext cx="8005312" cy="2308324"/>
+          </a:xfrm>
+          <a:prstGeom prst="rect">
+            <a:avLst/>
+          </a:prstGeom>
+        </p:spPr>
+        <p:txBody>
+          <a:bodyPr rot="0" spcFirstLastPara="0" vertOverflow="overflow" horzOverflow="overflow" vert="horz" wrap="square" lIns="91440" tIns="45720" rIns="91440" bIns="45720" numCol="1" spcCol="0" rtlCol="0" fromWordArt="0" anchor="t" anchorCtr="0" forceAA="0" compatLnSpc="1">
+            <a:prstTxWarp prst="textNoShape">
+              <a:avLst/>
+            </a:prstTxWarp>
+            <a:spAutoFit/>
+          </a:bodyPr>
+          <a:lstStyle/>
+          <a:p>
+            <a:r>
+              <a:rPr lang="en-US" sz="2400" dirty="0"/>
+              <a:t>Plain text</a:t>
+            </a:r>
+            <a:endParaRPr lang="en-US" sz="2400" dirty="0">
+              <a:cs typeface="Calibri"/>
+            </a:endParaRPr>
+          </a:p>
+          <a:p>
+            <a:r>
+              <a:rPr lang="en-US" sz="2400" dirty="0">
+                <a:cs typeface="Calibri"/>
+              </a:rPr>
+              <a:t>Platform independent</a:t>
+            </a:r>
+          </a:p>
+          <a:p>
+            <a:r>
+              <a:rPr lang="en-US" sz="2400" dirty="0">
+                <a:cs typeface="Calibri"/>
+              </a:rPr>
+              <a:t>Not tied to specific software</a:t>
+            </a:r>
+          </a:p>
+          <a:p>
+            <a:endParaRPr lang="en-US" sz="2400" dirty="0">
+              <a:cs typeface="Calibri"/>
+            </a:endParaRPr>
+          </a:p>
+          <a:p>
+            <a:r>
+              <a:rPr lang="en-US" sz="2400" dirty="0">
+                <a:cs typeface="Calibri"/>
+              </a:rPr>
+              <a:t>--&gt; Recommended as data formats by the Library of Congress</a:t>
+            </a:r>
+          </a:p>
+          <a:p>
+            <a:r>
+              <a:rPr lang="en-US" sz="2400" dirty="0">
+                <a:cs typeface="Calibri"/>
+              </a:rPr>
+              <a:t>See http://www.loc.gov/preservation/resources/rfs/data.html</a:t>
+            </a:r>
+            <a:endParaRPr lang="en-US" dirty="0"/>
+          </a:p>
+        </p:txBody>
+      </p:sp>
+    </p:spTree>
+    <p:extLst>
+      <p:ext uri="{BB962C8B-B14F-4D97-AF65-F5344CB8AC3E}">
+        <p14:creationId xmlns:p14="http://schemas.microsoft.com/office/powerpoint/2010/main" val="506731024"/>
+      </p:ext>
+    </p:extLst>
+  </p:cSld>
+  <p:clrMapOvr>
+    <a:masterClrMapping/>
+  </p:clrMapOvr>
+</p:sld>
+</file>
+
+<file path=ppt/slides/slide19.xml><?xml version="1.0" encoding="utf-8"?>
+<p:sld xmlns:a="http://schemas.openxmlformats.org/drawingml/2006/main" xmlns:r="http://schemas.openxmlformats.org/officeDocument/2006/relationships" xmlns:p="http://schemas.openxmlformats.org/presentationml/2006/main">
+  <p:cSld>
+    <p:spTree>
+      <p:nvGrpSpPr>
+        <p:cNvPr id="1" name=""/>
+        <p:cNvGrpSpPr/>
+        <p:nvPr/>
+      </p:nvGrpSpPr>
+      <p:grpSpPr>
+        <a:xfrm>
+          <a:off x="0" y="0"/>
+          <a:ext cx="0" cy="0"/>
+          <a:chOff x="0" y="0"/>
+          <a:chExt cx="0" cy="0"/>
+        </a:xfrm>
+      </p:grpSpPr>
+      <p:sp>
+        <p:nvSpPr>
+          <p:cNvPr id="2" name="Title 1">
+            <a:extLst>
+              <a:ext uri="{FF2B5EF4-FFF2-40B4-BE49-F238E27FC236}">
                 <a16:creationId xmlns:a16="http://schemas.microsoft.com/office/drawing/2014/main" id="{C35CA1C4-9151-424E-B04D-9108E4B892A2}"/>
               </a:ext>
             </a:extLst>
@@ -6329,7 +6860,7 @@
               <a:rPr lang="en-US" dirty="0">
                 <a:cs typeface="Calibri"/>
               </a:rPr>
-              <a:t>May or may not have a header</a:t>
+              <a:t>May or may not have a header:</a:t>
             </a:r>
           </a:p>
           <a:p>
@@ -6340,7 +6871,7 @@
               <a:rPr lang="en-US" dirty="0">
                 <a:cs typeface="Calibri"/>
               </a:rPr>
-              <a:t>First row with descripts of columns</a:t>
+              <a:t>          First row is descriptions of columns</a:t>
             </a:r>
           </a:p>
         </p:txBody>
@@ -6428,216 +6959,6 @@
     <p:extLst>
       <p:ext uri="{BB962C8B-B14F-4D97-AF65-F5344CB8AC3E}">
         <p14:creationId xmlns:p14="http://schemas.microsoft.com/office/powerpoint/2010/main" val="3220581953"/>
-      </p:ext>
-    </p:extLst>
-  </p:cSld>
-  <p:clrMapOvr>
-    <a:masterClrMapping/>
-  </p:clrMapOvr>
-</p:sld>
-</file>
-
-<file path=ppt/slides/slide19.xml><?xml version="1.0" encoding="utf-8"?>
-<p:sld xmlns:a="http://schemas.openxmlformats.org/drawingml/2006/main" xmlns:r="http://schemas.openxmlformats.org/officeDocument/2006/relationships" xmlns:p="http://schemas.openxmlformats.org/presentationml/2006/main">
-  <p:cSld>
-    <p:spTree>
-      <p:nvGrpSpPr>
-        <p:cNvPr id="1" name=""/>
-        <p:cNvGrpSpPr/>
-        <p:nvPr/>
-      </p:nvGrpSpPr>
-      <p:grpSpPr>
-        <a:xfrm>
-          <a:off x="0" y="0"/>
-          <a:ext cx="0" cy="0"/>
-          <a:chOff x="0" y="0"/>
-          <a:chExt cx="0" cy="0"/>
-        </a:xfrm>
-      </p:grpSpPr>
-      <p:sp>
-        <p:nvSpPr>
-          <p:cNvPr id="2" name="Title 1">
-            <a:extLst>
-              <a:ext uri="{FF2B5EF4-FFF2-40B4-BE49-F238E27FC236}">
-                <a16:creationId xmlns:a16="http://schemas.microsoft.com/office/drawing/2014/main" id="{C35CA1C4-9151-424E-B04D-9108E4B892A2}"/>
-              </a:ext>
-            </a:extLst>
-          </p:cNvPr>
-          <p:cNvSpPr>
-            <a:spLocks noGrp="1"/>
-          </p:cNvSpPr>
-          <p:nvPr>
-            <p:ph type="title"/>
-          </p:nvPr>
-        </p:nvSpPr>
-        <p:spPr/>
-        <p:txBody>
-          <a:bodyPr/>
-          <a:lstStyle/>
-          <a:p>
-            <a:r>
-              <a:rPr lang="en-US" dirty="0">
-                <a:cs typeface="Calibri Light"/>
-              </a:rPr>
-              <a:t>CSV caveats</a:t>
-            </a:r>
-            <a:endParaRPr lang="en-US" dirty="0"/>
-          </a:p>
-        </p:txBody>
-      </p:sp>
-      <p:sp>
-        <p:nvSpPr>
-          <p:cNvPr id="3" name="Content Placeholder 2">
-            <a:extLst>
-              <a:ext uri="{FF2B5EF4-FFF2-40B4-BE49-F238E27FC236}">
-                <a16:creationId xmlns:a16="http://schemas.microsoft.com/office/drawing/2014/main" id="{E1055E2D-A790-4304-A1AC-1698727C2BF2}"/>
-              </a:ext>
-            </a:extLst>
-          </p:cNvPr>
-          <p:cNvSpPr>
-            <a:spLocks noGrp="1"/>
-          </p:cNvSpPr>
-          <p:nvPr>
-            <p:ph idx="1"/>
-          </p:nvPr>
-        </p:nvSpPr>
-        <p:spPr>
-          <a:xfrm>
-            <a:off x="148086" y="2041285"/>
-            <a:ext cx="8287110" cy="3704357"/>
-          </a:xfrm>
-        </p:spPr>
-        <p:txBody>
-          <a:bodyPr vert="horz" lIns="91440" tIns="45720" rIns="91440" bIns="45720" rtlCol="0" anchor="t">
-            <a:noAutofit/>
-          </a:bodyPr>
-          <a:lstStyle/>
-          <a:p>
-            <a:pPr lvl="1"/>
-            <a:r>
-              <a:rPr lang="en-US" sz="3200" dirty="0">
-                <a:cs typeface="Calibri"/>
-              </a:rPr>
-              <a:t>Text (not images)</a:t>
-            </a:r>
-          </a:p>
-          <a:p>
-            <a:pPr lvl="1"/>
-            <a:r>
-              <a:rPr lang="en-US" sz="3200" dirty="0">
-                <a:cs typeface="Calibri"/>
-              </a:rPr>
-              <a:t>Columns are typically of same type</a:t>
-            </a:r>
-          </a:p>
-          <a:p>
-            <a:pPr lvl="2"/>
-            <a:r>
-              <a:rPr lang="en-US" sz="2800" dirty="0">
-                <a:cs typeface="Calibri"/>
-              </a:rPr>
-              <a:t>Text: Name or word or description</a:t>
-            </a:r>
-          </a:p>
-          <a:p>
-            <a:pPr lvl="2"/>
-            <a:r>
-              <a:rPr lang="en-US" sz="2800" dirty="0">
-                <a:cs typeface="Calibri"/>
-              </a:rPr>
-              <a:t>Number</a:t>
-            </a:r>
-          </a:p>
-          <a:p>
-            <a:pPr lvl="2"/>
-            <a:r>
-              <a:rPr lang="en-US" sz="2800" dirty="0">
-                <a:cs typeface="Calibri"/>
-              </a:rPr>
-              <a:t>Category label (text)</a:t>
-            </a:r>
-          </a:p>
-          <a:p>
-            <a:pPr lvl="1"/>
-            <a:r>
-              <a:rPr lang="en-US" sz="3200" dirty="0">
-                <a:cs typeface="Calibri"/>
-              </a:rPr>
-              <a:t>Delimiters within a value</a:t>
-            </a:r>
-          </a:p>
-          <a:p>
-            <a:pPr lvl="2"/>
-            <a:r>
-              <a:rPr lang="en-US" sz="2800" dirty="0">
-                <a:cs typeface="Calibri"/>
-              </a:rPr>
-              <a:t>Enclosed within a pair of double quotes:  "  "</a:t>
-            </a:r>
-          </a:p>
-          <a:p>
-            <a:pPr lvl="1"/>
-            <a:r>
-              <a:rPr lang="en-US" sz="3200" dirty="0">
-                <a:cs typeface="Calibri"/>
-              </a:rPr>
-              <a:t>Quotes for quotes, </a:t>
-            </a:r>
-            <a:r>
-              <a:rPr lang="en-US" sz="3200" dirty="0" err="1">
-                <a:cs typeface="Calibri"/>
-              </a:rPr>
-              <a:t>ie</a:t>
-            </a:r>
-            <a:r>
-              <a:rPr lang="en-US" sz="3200" dirty="0">
-                <a:cs typeface="Calibri"/>
-              </a:rPr>
-              <a:t> 24"</a:t>
-            </a:r>
-          </a:p>
-          <a:p>
-            <a:pPr lvl="1"/>
-            <a:endParaRPr lang="en-US" sz="3200" dirty="0">
-              <a:cs typeface="Calibri"/>
-            </a:endParaRPr>
-          </a:p>
-        </p:txBody>
-      </p:sp>
-      <p:pic>
-        <p:nvPicPr>
-          <p:cNvPr id="4" name="Picture 4" descr="A close up of a white background&#10;&#10;Description generated with high confidence">
-            <a:extLst>
-              <a:ext uri="{FF2B5EF4-FFF2-40B4-BE49-F238E27FC236}">
-                <a16:creationId xmlns:a16="http://schemas.microsoft.com/office/drawing/2014/main" id="{A1B146A0-FD7D-40F4-80A4-753E5D563307}"/>
-              </a:ext>
-            </a:extLst>
-          </p:cNvPr>
-          <p:cNvPicPr>
-            <a:picLocks noChangeAspect="1"/>
-          </p:cNvPicPr>
-          <p:nvPr/>
-        </p:nvPicPr>
-        <p:blipFill>
-          <a:blip r:embed="rId3"/>
-          <a:stretch>
-            <a:fillRect/>
-          </a:stretch>
-        </p:blipFill>
-        <p:spPr>
-          <a:xfrm>
-            <a:off x="8079089" y="363119"/>
-            <a:ext cx="4257675" cy="5384141"/>
-          </a:xfrm>
-          <a:prstGeom prst="rect">
-            <a:avLst/>
-          </a:prstGeom>
-        </p:spPr>
-      </p:pic>
-    </p:spTree>
-    <p:extLst>
-      <p:ext uri="{BB962C8B-B14F-4D97-AF65-F5344CB8AC3E}">
-        <p14:creationId xmlns:p14="http://schemas.microsoft.com/office/powerpoint/2010/main" val="1508720486"/>
       </p:ext>
     </p:extLst>
   </p:cSld>
@@ -6848,7 +7169,7 @@
               <a:rPr lang="en-US" dirty="0">
                 <a:cs typeface="Calibri Light"/>
               </a:rPr>
-              <a:t>CSV variations</a:t>
+              <a:t>CSV caveats</a:t>
             </a:r>
             <a:endParaRPr lang="en-US" dirty="0"/>
           </a:p>
@@ -6872,36 +7193,135 @@
         </p:nvSpPr>
         <p:spPr>
           <a:xfrm>
-            <a:off x="277482" y="3162719"/>
-            <a:ext cx="8287110" cy="2094093"/>
+            <a:off x="148086" y="2041285"/>
+            <a:ext cx="8287110" cy="3704357"/>
           </a:xfrm>
         </p:spPr>
         <p:txBody>
           <a:bodyPr vert="horz" lIns="91440" tIns="45720" rIns="91440" bIns="45720" rtlCol="0" anchor="t">
-            <a:normAutofit/>
+            <a:noAutofit/>
           </a:bodyPr>
           <a:lstStyle/>
           <a:p>
             <a:pPr lvl="1"/>
             <a:r>
-              <a:rPr lang="en-US" dirty="0">
-                <a:cs typeface="Calibri"/>
-              </a:rPr>
-              <a:t>Delimiters vary</a:t>
+              <a:rPr lang="en-US" sz="3200" dirty="0">
+                <a:cs typeface="Calibri"/>
+              </a:rPr>
+              <a:t>Text (not images)</a:t>
             </a:r>
           </a:p>
           <a:p>
             <a:pPr lvl="1"/>
-            <a:endParaRPr lang="en-US" dirty="0">
-              <a:cs typeface="Calibri"/>
-            </a:endParaRPr>
-          </a:p>
-        </p:txBody>
-      </p:sp>
+            <a:r>
+              <a:rPr lang="en-US" sz="3200" dirty="0">
+                <a:cs typeface="Calibri"/>
+              </a:rPr>
+              <a:t>Each column of same type</a:t>
+            </a:r>
+          </a:p>
+          <a:p>
+            <a:pPr lvl="2"/>
+            <a:r>
+              <a:rPr lang="en-US" sz="2800" dirty="0">
+                <a:cs typeface="Calibri"/>
+              </a:rPr>
+              <a:t>Name or word or description (text)</a:t>
+            </a:r>
+          </a:p>
+          <a:p>
+            <a:pPr lvl="2"/>
+            <a:r>
+              <a:rPr lang="en-US" sz="2800" dirty="0">
+                <a:cs typeface="Calibri"/>
+              </a:rPr>
+              <a:t>Number</a:t>
+            </a:r>
+          </a:p>
+          <a:p>
+            <a:pPr lvl="2"/>
+            <a:r>
+              <a:rPr lang="en-US" sz="2800" dirty="0">
+                <a:cs typeface="Calibri"/>
+              </a:rPr>
+              <a:t>Category label (text)</a:t>
+            </a:r>
+          </a:p>
+          <a:p>
+            <a:pPr lvl="1"/>
+            <a:r>
+              <a:rPr lang="en-US" sz="3200" dirty="0">
+                <a:cs typeface="Calibri"/>
+              </a:rPr>
+              <a:t>Delimiters within a value</a:t>
+            </a:r>
+          </a:p>
+          <a:p>
+            <a:pPr lvl="2"/>
+            <a:r>
+              <a:rPr lang="en-US" sz="2800" dirty="0">
+                <a:cs typeface="Calibri"/>
+              </a:rPr>
+              <a:t>Enclosed within a pair of double quotes:  "  "</a:t>
+            </a:r>
+          </a:p>
+          <a:p>
+            <a:pPr lvl="1"/>
+            <a:r>
+              <a:rPr lang="en-US" sz="3200" dirty="0">
+                <a:cs typeface="Calibri"/>
+              </a:rPr>
+              <a:t>Quotes for quotes, </a:t>
+            </a:r>
+            <a:r>
+              <a:rPr lang="en-US" sz="3200" dirty="0" err="1">
+                <a:cs typeface="Calibri"/>
+              </a:rPr>
+              <a:t>ie</a:t>
+            </a:r>
+            <a:r>
+              <a:rPr lang="en-US" sz="3200" dirty="0">
+                <a:cs typeface="Calibri"/>
+              </a:rPr>
+              <a:t> 24"</a:t>
+            </a:r>
+          </a:p>
+        </p:txBody>
+      </p:sp>
+      <p:pic>
+        <p:nvPicPr>
+          <p:cNvPr id="4" name="Picture 4" descr="A close up of a white background&#10;&#10;Description generated with high confidence">
+            <a:extLst>
+              <a:ext uri="{FF2B5EF4-FFF2-40B4-BE49-F238E27FC236}">
+                <a16:creationId xmlns:a16="http://schemas.microsoft.com/office/drawing/2014/main" id="{A1B146A0-FD7D-40F4-80A4-753E5D563307}"/>
+              </a:ext>
+            </a:extLst>
+          </p:cNvPr>
+          <p:cNvPicPr>
+            <a:picLocks noChangeAspect="1"/>
+          </p:cNvPicPr>
+          <p:nvPr/>
+        </p:nvPicPr>
+        <p:blipFill>
+          <a:blip r:embed="rId3"/>
+          <a:stretch>
+            <a:fillRect/>
+          </a:stretch>
+        </p:blipFill>
+        <p:spPr>
+          <a:xfrm>
+            <a:off x="8079089" y="363119"/>
+            <a:ext cx="4257675" cy="5384141"/>
+          </a:xfrm>
+          <a:prstGeom prst="rect">
+            <a:avLst/>
+          </a:prstGeom>
+        </p:spPr>
+      </p:pic>
     </p:spTree>
     <p:extLst>
       <p:ext uri="{BB962C8B-B14F-4D97-AF65-F5344CB8AC3E}">
-        <p14:creationId xmlns:p14="http://schemas.microsoft.com/office/powerpoint/2010/main" val="1442927395"/>
+        <p14:creationId xmlns:p14="http://schemas.microsoft.com/office/powerpoint/2010/main" val="1508720486"/>
       </p:ext>
     </p:extLst>
   </p:cSld>
@@ -6953,7 +7373,7 @@
               <a:rPr lang="en-US" dirty="0">
                 <a:cs typeface="Calibri Light"/>
               </a:rPr>
-              <a:t>CSV alternative: fixed width</a:t>
+              <a:t>CSV variations</a:t>
             </a:r>
             <a:endParaRPr lang="en-US" dirty="0"/>
           </a:p>
@@ -6977,8 +7397,8 @@
         </p:nvSpPr>
         <p:spPr>
           <a:xfrm>
-            <a:off x="277482" y="3162719"/>
-            <a:ext cx="8287110" cy="2094093"/>
+            <a:off x="277482" y="2113172"/>
+            <a:ext cx="9710468" cy="3143640"/>
           </a:xfrm>
         </p:spPr>
         <p:txBody>
@@ -6987,12 +7407,38 @@
           </a:bodyPr>
           <a:lstStyle/>
           <a:p>
+            <a:pPr marL="457200" lvl="1" indent="0">
+              <a:buNone/>
+            </a:pPr>
+            <a:r>
+              <a:rPr lang="en-US" dirty="0">
+                <a:cs typeface="Calibri"/>
+              </a:rPr>
+              <a:t>Delimiters vary: </a:t>
+            </a:r>
+          </a:p>
+          <a:p>
             <a:pPr lvl="1"/>
             <a:r>
               <a:rPr lang="en-US" dirty="0">
                 <a:cs typeface="Calibri"/>
               </a:rPr>
-              <a:t>Delimiters vary</a:t>
+              <a:t>Tab – see https://en.wikipedia.org/wiki/Tab-separated_values</a:t>
+            </a:r>
+          </a:p>
+          <a:p>
+            <a:pPr lvl="1"/>
+            <a:r>
+              <a:rPr lang="en-US" dirty="0">
+                <a:cs typeface="Calibri"/>
+              </a:rPr>
+              <a:t>| </a:t>
+            </a:r>
+            <a:r>
+              <a:rPr lang="en-US" i="1" dirty="0">
+                <a:cs typeface="Calibri"/>
+              </a:rPr>
+              <a:t> (pipe)</a:t>
             </a:r>
           </a:p>
           <a:p>
@@ -7003,10 +7449,90 @@
           </a:p>
         </p:txBody>
       </p:sp>
+      <p:sp>
+        <p:nvSpPr>
+          <p:cNvPr id="4" name="TextBox 3">
+            <a:extLst>
+              <a:ext uri="{FF2B5EF4-FFF2-40B4-BE49-F238E27FC236}">
+                <a16:creationId xmlns:a16="http://schemas.microsoft.com/office/drawing/2014/main" id="{6F8BC1B4-05F2-43A3-9E9A-DCBD804A45FE}"/>
+              </a:ext>
+            </a:extLst>
+          </p:cNvPr>
+          <p:cNvSpPr txBox="1"/>
+          <p:nvPr/>
+        </p:nvSpPr>
+        <p:spPr>
+          <a:xfrm>
+            <a:off x="3876135" y="3753928"/>
+            <a:ext cx="6553199" cy="2246769"/>
+          </a:xfrm>
+          <a:prstGeom prst="rect">
+            <a:avLst/>
+          </a:prstGeom>
+        </p:spPr>
+        <p:txBody>
+          <a:bodyPr rot="0" spcFirstLastPara="0" vertOverflow="overflow" horzOverflow="overflow" vert="horz" wrap="square" lIns="91440" tIns="45720" rIns="91440" bIns="45720" numCol="1" spcCol="0" rtlCol="0" fromWordArt="0" anchor="t" anchorCtr="0" forceAA="0" compatLnSpc="1">
+            <a:prstTxWarp prst="textNoShape">
+              <a:avLst/>
+            </a:prstTxWarp>
+            <a:spAutoFit/>
+          </a:bodyPr>
+          <a:lstStyle/>
+          <a:p>
+            <a:r>
+              <a:rPr lang="en-US" sz="2800" dirty="0" err="1">
+                <a:latin typeface="Courier New"/>
+                <a:cs typeface="Courier New"/>
+              </a:rPr>
+              <a:t>Month|count|location</a:t>
+            </a:r>
+            <a:endParaRPr lang="en-US" sz="2800" dirty="0">
+              <a:latin typeface="Courier New"/>
+              <a:cs typeface="Courier New"/>
+            </a:endParaRPr>
+          </a:p>
+          <a:p>
+            <a:r>
+              <a:rPr lang="en-US" sz="2800" dirty="0">
+                <a:latin typeface="Courier New"/>
+                <a:cs typeface="Courier New"/>
+              </a:rPr>
+              <a:t>Jan|1332|here</a:t>
+            </a:r>
+          </a:p>
+          <a:p>
+            <a:r>
+              <a:rPr lang="en-US" sz="2800" dirty="0">
+                <a:latin typeface="Courier New"/>
+                <a:cs typeface="Courier New"/>
+              </a:rPr>
+              <a:t>June|5,593|there</a:t>
+            </a:r>
+          </a:p>
+          <a:p>
+            <a:r>
+              <a:rPr lang="en-US" sz="2800" dirty="0">
+                <a:latin typeface="Courier New"/>
+                <a:cs typeface="Courier New"/>
+              </a:rPr>
+              <a:t>Feb|953,24|everywhere, CA</a:t>
+            </a:r>
+          </a:p>
+          <a:p>
+            <a:r>
+              <a:rPr lang="en-US" sz="2800" dirty="0">
+                <a:latin typeface="Courier New"/>
+                <a:cs typeface="Courier New"/>
+              </a:rPr>
+              <a:t>Oct|592|my home town, MD</a:t>
+            </a:r>
+          </a:p>
+        </p:txBody>
+      </p:sp>
     </p:spTree>
     <p:extLst>
       <p:ext uri="{BB962C8B-B14F-4D97-AF65-F5344CB8AC3E}">
-        <p14:creationId xmlns:p14="http://schemas.microsoft.com/office/powerpoint/2010/main" val="3579465122"/>
+        <p14:creationId xmlns:p14="http://schemas.microsoft.com/office/powerpoint/2010/main" val="1442927395"/>
       </p:ext>
     </p:extLst>
   </p:cSld>
@@ -7038,7 +7564,7 @@
           <p:cNvPr id="2" name="Title 1">
             <a:extLst>
               <a:ext uri="{FF2B5EF4-FFF2-40B4-BE49-F238E27FC236}">
-                <a16:creationId xmlns:a16="http://schemas.microsoft.com/office/drawing/2014/main" id="{E81DD38E-F5EA-4A91-875F-90C4D24A633E}"/>
+                <a16:creationId xmlns:a16="http://schemas.microsoft.com/office/drawing/2014/main" id="{C35CA1C4-9151-424E-B04D-9108E4B892A2}"/>
               </a:ext>
             </a:extLst>
           </p:cNvPr>
@@ -7058,7 +7584,7 @@
               <a:rPr lang="en-US" dirty="0">
                 <a:cs typeface="Calibri Light"/>
               </a:rPr>
-              <a:t>science</a:t>
+              <a:t>CSV alternative: fixed width</a:t>
             </a:r>
             <a:endParaRPr lang="en-US" dirty="0"/>
           </a:p>
@@ -7069,7 +7595,7 @@
           <p:cNvPr id="3" name="Content Placeholder 2">
             <a:extLst>
               <a:ext uri="{FF2B5EF4-FFF2-40B4-BE49-F238E27FC236}">
-                <a16:creationId xmlns:a16="http://schemas.microsoft.com/office/drawing/2014/main" id="{7DABFF33-165D-49CD-8F9D-7394951F24DB}"/>
+                <a16:creationId xmlns:a16="http://schemas.microsoft.com/office/drawing/2014/main" id="{E1055E2D-A790-4304-A1AC-1698727C2BF2}"/>
               </a:ext>
             </a:extLst>
           </p:cNvPr>
@@ -7080,89 +7606,150 @@
             <p:ph idx="1"/>
           </p:nvPr>
         </p:nvSpPr>
-        <p:spPr/>
+        <p:spPr>
+          <a:xfrm>
+            <a:off x="493142" y="2055662"/>
+            <a:ext cx="8287110" cy="857641"/>
+          </a:xfrm>
+        </p:spPr>
         <p:txBody>
           <a:bodyPr vert="horz" lIns="91440" tIns="45720" rIns="91440" bIns="45720" rtlCol="0" anchor="t">
-            <a:normAutofit fontScale="92500"/>
+            <a:normAutofit/>
           </a:bodyPr>
           <a:lstStyle/>
           <a:p>
-            <a:pPr marL="0" indent="0">
-              <a:buNone/>
-            </a:pPr>
+            <a:pPr lvl="1"/>
             <a:r>
               <a:rPr lang="en-US" dirty="0">
                 <a:cs typeface="Calibri"/>
               </a:rPr>
-              <a:t>Science is a systematic enterprise that builds and organizes knowledge in the form of testable explanations and predictions about the universe.</a:t>
-            </a:r>
-          </a:p>
-          <a:p>
-            <a:pPr>
-              <a:buNone/>
-            </a:pPr>
-            <a:r>
-              <a:rPr lang="en-US" dirty="0">
-                <a:cs typeface="Calibri"/>
-              </a:rPr>
-              <a:t>       </a:t>
-            </a:r>
-            <a:r>
-              <a:rPr lang="en-US" sz="2400" dirty="0">
-                <a:cs typeface="Calibri"/>
-              </a:rPr>
-              <a:t>https://en.wikipedia.org/wiki/Science</a:t>
-            </a:r>
-          </a:p>
-          <a:p>
-            <a:endParaRPr lang="en-US" dirty="0">
-              <a:cs typeface="Calibri"/>
-            </a:endParaRPr>
-          </a:p>
-          <a:p>
-            <a:pPr marL="0" indent="0">
-              <a:buNone/>
-            </a:pPr>
-            <a:r>
-              <a:rPr lang="en-US" dirty="0">
-                <a:cs typeface="Calibri"/>
-              </a:rPr>
-              <a:t>https://www.youtube.com/watch?v=j12BBcKSgEQ</a:t>
-            </a:r>
-          </a:p>
-          <a:p>
-            <a:endParaRPr lang="en-US" dirty="0">
-              <a:cs typeface="Calibri"/>
-            </a:endParaRPr>
-          </a:p>
-          <a:p>
-            <a:r>
-              <a:rPr lang="en-US" dirty="0">
-                <a:cs typeface="Calibri"/>
-              </a:rPr>
-              <a:t>Data</a:t>
-            </a:r>
-            <a:endParaRPr lang="en-US" dirty="0"/>
-          </a:p>
-          <a:p>
-            <a:r>
-              <a:rPr lang="en-US" dirty="0">
-                <a:cs typeface="Calibri"/>
-              </a:rPr>
-              <a:t>Model</a:t>
-            </a:r>
-          </a:p>
-          <a:p>
-            <a:r>
-              <a:rPr lang="en-US" dirty="0">
-                <a:cs typeface="Calibri"/>
-              </a:rPr>
-              <a:t>Question/hypothesis/assumption</a:t>
-            </a:r>
-          </a:p>
-          <a:p>
-            <a:endParaRPr lang="en-US" dirty="0">
-              <a:cs typeface="Calibri"/>
+              <a:t>Consistent number of characters per column</a:t>
+            </a:r>
+          </a:p>
+        </p:txBody>
+      </p:sp>
+      <p:sp>
+        <p:nvSpPr>
+          <p:cNvPr id="4" name="TextBox 3">
+            <a:extLst>
+              <a:ext uri="{FF2B5EF4-FFF2-40B4-BE49-F238E27FC236}">
+                <a16:creationId xmlns:a16="http://schemas.microsoft.com/office/drawing/2014/main" id="{391E65DB-2C88-4037-A50D-756744D2C3A8}"/>
+              </a:ext>
+            </a:extLst>
+          </p:cNvPr>
+          <p:cNvSpPr txBox="1"/>
+          <p:nvPr/>
+        </p:nvSpPr>
+        <p:spPr>
+          <a:xfrm>
+            <a:off x="1302589" y="2704381"/>
+            <a:ext cx="9284897" cy="3108543"/>
+          </a:xfrm>
+          <a:prstGeom prst="rect">
+            <a:avLst/>
+          </a:prstGeom>
+        </p:spPr>
+        <p:txBody>
+          <a:bodyPr rot="0" spcFirstLastPara="0" vertOverflow="overflow" horzOverflow="overflow" vert="horz" wrap="square" lIns="91440" tIns="45720" rIns="91440" bIns="45720" numCol="1" spcCol="0" rtlCol="0" fromWordArt="0" anchor="t" anchorCtr="0" forceAA="0" compatLnSpc="1">
+            <a:prstTxWarp prst="textNoShape">
+              <a:avLst/>
+            </a:prstTxWarp>
+            <a:spAutoFit/>
+          </a:bodyPr>
+          <a:lstStyle/>
+          <a:p>
+            <a:r>
+              <a:rPr lang="en-US" sz="2800" dirty="0">
+                <a:latin typeface="Courier New"/>
+                <a:cs typeface="Courier New"/>
+              </a:rPr>
+              <a:t>ID     </a:t>
+            </a:r>
+            <a:r>
+              <a:rPr lang="en-US" sz="2800" dirty="0" err="1">
+                <a:latin typeface="Courier New"/>
+                <a:cs typeface="Courier New"/>
+              </a:rPr>
+              <a:t>l_name</a:t>
+            </a:r>
+            <a:r>
+              <a:rPr lang="en-US" sz="2800" dirty="0">
+                <a:latin typeface="Courier New"/>
+                <a:cs typeface="Courier New"/>
+              </a:rPr>
+              <a:t>    </a:t>
+            </a:r>
+            <a:r>
+              <a:rPr lang="en-US" sz="2800" dirty="0" err="1">
+                <a:latin typeface="Courier New"/>
+                <a:cs typeface="Courier New"/>
+              </a:rPr>
+              <a:t>f_nametuition</a:t>
+            </a:r>
+          </a:p>
+          <a:p>
+            <a:r>
+              <a:rPr lang="en-US" sz="2800" dirty="0">
+                <a:latin typeface="Courier New"/>
+                <a:cs typeface="Courier New"/>
+              </a:rPr>
+              <a:t>0585822Potter, </a:t>
+            </a:r>
+            <a:r>
+              <a:rPr lang="en-US" sz="2800" dirty="0" err="1">
+                <a:latin typeface="Courier New"/>
+                <a:cs typeface="Courier New"/>
+              </a:rPr>
+              <a:t>JrHarry</a:t>
+            </a:r>
+            <a:r>
+              <a:rPr lang="en-US" sz="2800" dirty="0">
+                <a:latin typeface="Courier New"/>
+                <a:cs typeface="Courier New"/>
+              </a:rPr>
+              <a:t> 204</a:t>
+            </a:r>
+          </a:p>
+          <a:p>
+            <a:r>
+              <a:rPr lang="en-US" sz="2800" dirty="0">
+                <a:latin typeface="Courier New"/>
+                <a:cs typeface="Courier New"/>
+              </a:rPr>
+              <a:t>0485572Weasley   Ron   958</a:t>
+            </a:r>
+          </a:p>
+          <a:p>
+            <a:r>
+              <a:rPr lang="en-US" sz="2800" dirty="0">
+                <a:latin typeface="Courier New"/>
+                <a:cs typeface="Courier New"/>
+              </a:rPr>
+              <a:t>5924245Granger   Hermio422</a:t>
+            </a:r>
+          </a:p>
+          <a:p>
+            <a:r>
+              <a:rPr lang="en-US" sz="2800" dirty="0">
+                <a:latin typeface="Courier New"/>
+                <a:cs typeface="Courier New"/>
+              </a:rPr>
+              <a:t>4724926Diggory   Cedric1042</a:t>
+            </a:r>
+          </a:p>
+          <a:p>
+            <a:r>
+              <a:rPr lang="en-US" sz="2800" dirty="0">
+                <a:latin typeface="Courier New"/>
+                <a:cs typeface="Courier New"/>
+              </a:rPr>
+              <a:t>4938243Weasley   Fred  394</a:t>
+            </a:r>
+          </a:p>
+          <a:p>
+            <a:endParaRPr lang="en-US" sz="2800" dirty="0">
+              <a:latin typeface="Courier New"/>
+              <a:cs typeface="Courier New"/>
             </a:endParaRPr>
           </a:p>
         </p:txBody>
@@ -7170,7 +7757,7 @@
     </p:spTree>
     <p:extLst>
       <p:ext uri="{BB962C8B-B14F-4D97-AF65-F5344CB8AC3E}">
-        <p14:creationId xmlns:p14="http://schemas.microsoft.com/office/powerpoint/2010/main" val="1364403274"/>
+        <p14:creationId xmlns:p14="http://schemas.microsoft.com/office/powerpoint/2010/main" val="3579465122"/>
       </p:ext>
     </p:extLst>
   </p:cSld>
@@ -7202,7 +7789,7 @@
           <p:cNvPr id="2" name="Title 1">
             <a:extLst>
               <a:ext uri="{FF2B5EF4-FFF2-40B4-BE49-F238E27FC236}">
-                <a16:creationId xmlns:a16="http://schemas.microsoft.com/office/drawing/2014/main" id="{67024DFB-3D52-4034-B083-39B732D0FCFA}"/>
+                <a16:creationId xmlns:a16="http://schemas.microsoft.com/office/drawing/2014/main" id="{C35CA1C4-9151-424E-B04D-9108E4B892A2}"/>
               </a:ext>
             </a:extLst>
           </p:cNvPr>
@@ -7219,18 +7806,12 @@
           <a:lstStyle/>
           <a:p>
             <a:r>
-              <a:rPr lang="en-US" i="1">
+              <a:rPr lang="en-US" dirty="0">
                 <a:cs typeface="Calibri Light"/>
               </a:rPr>
-              <a:t>Best practices</a:t>
-            </a:r>
-            <a:r>
-              <a:rPr lang="en-US">
-                <a:cs typeface="Calibri Light"/>
-              </a:rPr>
-              <a:t>: Version control</a:t>
-            </a:r>
-            <a:endParaRPr lang="en-US"/>
+              <a:t>CSV alternative: fixed width</a:t>
+            </a:r>
+            <a:endParaRPr lang="en-US" dirty="0"/>
           </a:p>
         </p:txBody>
       </p:sp>
@@ -7239,7 +7820,7 @@
           <p:cNvPr id="3" name="Content Placeholder 2">
             <a:extLst>
               <a:ext uri="{FF2B5EF4-FFF2-40B4-BE49-F238E27FC236}">
-                <a16:creationId xmlns:a16="http://schemas.microsoft.com/office/drawing/2014/main" id="{BFBA8429-B089-4264-A062-0E8D525F86E3}"/>
+                <a16:creationId xmlns:a16="http://schemas.microsoft.com/office/drawing/2014/main" id="{E1055E2D-A790-4304-A1AC-1698727C2BF2}"/>
               </a:ext>
             </a:extLst>
           </p:cNvPr>
@@ -7250,51 +7831,24 @@
             <p:ph idx="1"/>
           </p:nvPr>
         </p:nvSpPr>
-        <p:spPr/>
+        <p:spPr>
+          <a:xfrm>
+            <a:off x="493142" y="2055662"/>
+            <a:ext cx="8287110" cy="857641"/>
+          </a:xfrm>
+        </p:spPr>
         <p:txBody>
           <a:bodyPr vert="horz" lIns="91440" tIns="45720" rIns="91440" bIns="45720" rtlCol="0" anchor="t">
             <a:normAutofit/>
           </a:bodyPr>
           <a:lstStyle/>
           <a:p>
+            <a:pPr lvl="1"/>
             <a:r>
               <a:rPr lang="en-US" dirty="0">
                 <a:cs typeface="Calibri"/>
               </a:rPr>
-              <a:t>Regardless of how you develop analytics, you'll be creating or editing software. </a:t>
-            </a:r>
-            <a:endParaRPr lang="en-US">
-              <a:cs typeface="Calibri"/>
-            </a:endParaRPr>
-          </a:p>
-          <a:p>
-            <a:endParaRPr lang="en-US" dirty="0">
-              <a:cs typeface="Calibri"/>
-            </a:endParaRPr>
-          </a:p>
-          <a:p>
-            <a:endParaRPr lang="en-US">
-              <a:cs typeface="Calibri"/>
-            </a:endParaRPr>
-          </a:p>
-          <a:p>
-            <a:r>
-              <a:rPr lang="en-US" dirty="0">
-                <a:cs typeface="Calibri"/>
-              </a:rPr>
-              <a:t>[</a:t>
-            </a:r>
-            <a:r>
-              <a:rPr lang="en-US" i="1" dirty="0">
-                <a:cs typeface="Calibri"/>
-              </a:rPr>
-              <a:t>lesson</a:t>
-            </a:r>
-            <a:r>
-              <a:rPr lang="en-US" dirty="0">
-                <a:cs typeface="Calibri"/>
-              </a:rPr>
-              <a:t>] Regardless of how you implement best practices, avoid inventing solutions for which someone else already provided a path.</a:t>
+              <a:t>Consistent number of characters per column</a:t>
             </a:r>
           </a:p>
         </p:txBody>
@@ -7304,7 +7858,7 @@
           <p:cNvPr id="4" name="TextBox 3">
             <a:extLst>
               <a:ext uri="{FF2B5EF4-FFF2-40B4-BE49-F238E27FC236}">
-                <a16:creationId xmlns:a16="http://schemas.microsoft.com/office/drawing/2014/main" id="{4524B6D4-0E9B-4B3B-B2AE-D882ED5055AB}"/>
+                <a16:creationId xmlns:a16="http://schemas.microsoft.com/office/drawing/2014/main" id="{391E65DB-2C88-4037-A50D-756744D2C3A8}"/>
               </a:ext>
             </a:extLst>
           </p:cNvPr>
@@ -7313,8 +7867,8 @@
         </p:nvSpPr>
         <p:spPr>
           <a:xfrm>
-            <a:off x="3602966" y="5608607"/>
-            <a:ext cx="6711350" cy="461665"/>
+            <a:off x="1302589" y="2704381"/>
+            <a:ext cx="9284897" cy="3108543"/>
           </a:xfrm>
           <a:prstGeom prst="rect">
             <a:avLst/>
@@ -7329,10 +7883,140 @@
           </a:bodyPr>
           <a:lstStyle/>
           <a:p>
+            <a:r>
+              <a:rPr lang="en-US" sz="2800" dirty="0">
+                <a:latin typeface="Courier New"/>
+                <a:cs typeface="Courier New"/>
+              </a:rPr>
+              <a:t>ID     </a:t>
+            </a:r>
+            <a:r>
+              <a:rPr lang="en-US" sz="2800" dirty="0" err="1">
+                <a:latin typeface="Courier New"/>
+                <a:cs typeface="Courier New"/>
+              </a:rPr>
+              <a:t>l_name</a:t>
+            </a:r>
+            <a:r>
+              <a:rPr lang="en-US" sz="2800" dirty="0">
+                <a:latin typeface="Courier New"/>
+                <a:cs typeface="Courier New"/>
+              </a:rPr>
+              <a:t>    </a:t>
+            </a:r>
+            <a:r>
+              <a:rPr lang="en-US" sz="2800" dirty="0" err="1">
+                <a:latin typeface="Courier New"/>
+                <a:cs typeface="Courier New"/>
+              </a:rPr>
+              <a:t>f_nametuition</a:t>
+            </a:r>
+          </a:p>
+          <a:p>
+            <a:r>
+              <a:rPr lang="en-US" sz="2800" dirty="0">
+                <a:latin typeface="Courier New"/>
+                <a:cs typeface="Courier New"/>
+              </a:rPr>
+              <a:t>0585822Potter, </a:t>
+            </a:r>
+            <a:r>
+              <a:rPr lang="en-US" sz="2800" dirty="0" err="1">
+                <a:latin typeface="Courier New"/>
+                <a:cs typeface="Courier New"/>
+              </a:rPr>
+              <a:t>JrHarry</a:t>
+            </a:r>
+            <a:r>
+              <a:rPr lang="en-US" sz="2800" dirty="0">
+                <a:latin typeface="Courier New"/>
+                <a:cs typeface="Courier New"/>
+              </a:rPr>
+              <a:t> 204</a:t>
+            </a:r>
+          </a:p>
+          <a:p>
+            <a:r>
+              <a:rPr lang="en-US" sz="2800" dirty="0">
+                <a:latin typeface="Courier New"/>
+                <a:cs typeface="Courier New"/>
+              </a:rPr>
+              <a:t>0485572Weasley   Ron   958</a:t>
+            </a:r>
+          </a:p>
+          <a:p>
+            <a:r>
+              <a:rPr lang="en-US" sz="2800" dirty="0">
+                <a:latin typeface="Courier New"/>
+                <a:cs typeface="Courier New"/>
+              </a:rPr>
+              <a:t>5924245Granger   Hermio422</a:t>
+            </a:r>
+          </a:p>
+          <a:p>
+            <a:r>
+              <a:rPr lang="en-US" sz="2800" dirty="0">
+                <a:latin typeface="Courier New"/>
+                <a:cs typeface="Courier New"/>
+              </a:rPr>
+              <a:t>4724926Diggory   Cedric1042</a:t>
+            </a:r>
+          </a:p>
+          <a:p>
+            <a:r>
+              <a:rPr lang="en-US" sz="2800" dirty="0">
+                <a:latin typeface="Courier New"/>
+                <a:cs typeface="Courier New"/>
+              </a:rPr>
+              <a:t>4938243Weasley   Fred  394</a:t>
+            </a:r>
+          </a:p>
+          <a:p>
+            <a:endParaRPr lang="en-US" sz="2800" dirty="0">
+              <a:latin typeface="Courier New"/>
+              <a:cs typeface="Courier New"/>
+            </a:endParaRPr>
+          </a:p>
+        </p:txBody>
+      </p:sp>
+      <p:sp>
+        <p:nvSpPr>
+          <p:cNvPr id="5" name="TextBox 4">
+            <a:extLst>
+              <a:ext uri="{FF2B5EF4-FFF2-40B4-BE49-F238E27FC236}">
+                <a16:creationId xmlns:a16="http://schemas.microsoft.com/office/drawing/2014/main" id="{A0968BD3-DA88-41B1-BAB5-FA6104D5E7FE}"/>
+              </a:ext>
+            </a:extLst>
+          </p:cNvPr>
+          <p:cNvSpPr txBox="1"/>
+          <p:nvPr/>
+        </p:nvSpPr>
+        <p:spPr>
+          <a:xfrm>
+            <a:off x="828136" y="5953663"/>
+            <a:ext cx="11369613" cy="461665"/>
+          </a:xfrm>
+          <a:prstGeom prst="rect">
+            <a:avLst/>
+          </a:prstGeom>
+        </p:spPr>
+        <p:txBody>
+          <a:bodyPr rot="0" spcFirstLastPara="0" vertOverflow="overflow" horzOverflow="overflow" vert="horz" wrap="square" lIns="91440" tIns="45720" rIns="91440" bIns="45720" numCol="1" spcCol="0" rtlCol="0" fromWordArt="0" anchor="t" anchorCtr="0" forceAA="0" compatLnSpc="1">
+            <a:prstTxWarp prst="textNoShape">
+              <a:avLst/>
+            </a:prstTxWarp>
+            <a:spAutoFit/>
+          </a:bodyPr>
+          <a:lstStyle/>
+          <a:p>
             <a:pPr algn="ctr"/>
             <a:r>
+              <a:rPr lang="en-US" sz="2400" i="1" dirty="0"/>
+              <a:t>Caveat</a:t>
+            </a:r>
+            <a:r>
               <a:rPr lang="en-US" sz="2400" dirty="0"/>
-              <a:t>Suggested resource:    https://try.github.io/</a:t>
+              <a:t>: each column needs to be at least as long as the longest entry</a:t>
             </a:r>
             <a:endParaRPr lang="en-US" sz="2400" dirty="0">
               <a:cs typeface="Calibri"/>
@@ -7340,10 +8024,164 @@
           </a:p>
         </p:txBody>
       </p:sp>
+      <p:cxnSp>
+        <p:nvCxnSpPr>
+          <p:cNvPr id="6" name="Straight Arrow Connector 5">
+            <a:extLst>
+              <a:ext uri="{FF2B5EF4-FFF2-40B4-BE49-F238E27FC236}">
+                <a16:creationId xmlns:a16="http://schemas.microsoft.com/office/drawing/2014/main" id="{E863F584-075B-4591-8461-F2FC64A32F13}"/>
+              </a:ext>
+            </a:extLst>
+          </p:cNvPr>
+          <p:cNvCxnSpPr/>
+          <p:nvPr/>
+        </p:nvCxnSpPr>
+        <p:spPr>
+          <a:xfrm>
+            <a:off x="2849592" y="2705818"/>
+            <a:ext cx="8627" cy="2654060"/>
+          </a:xfrm>
+          <a:prstGeom prst="straightConnector1">
+            <a:avLst/>
+          </a:prstGeom>
+          <a:ln w="57150"/>
+        </p:spPr>
+        <p:style>
+          <a:lnRef idx="1">
+            <a:schemeClr val="accent1"/>
+          </a:lnRef>
+          <a:fillRef idx="0">
+            <a:schemeClr val="accent1"/>
+          </a:fillRef>
+          <a:effectRef idx="0">
+            <a:schemeClr val="accent1"/>
+          </a:effectRef>
+          <a:fontRef idx="minor">
+            <a:schemeClr val="tx1"/>
+          </a:fontRef>
+        </p:style>
+      </p:cxnSp>
+      <p:cxnSp>
+        <p:nvCxnSpPr>
+          <p:cNvPr id="7" name="Straight Arrow Connector 6">
+            <a:extLst>
+              <a:ext uri="{FF2B5EF4-FFF2-40B4-BE49-F238E27FC236}">
+                <a16:creationId xmlns:a16="http://schemas.microsoft.com/office/drawing/2014/main" id="{3C56756D-71D9-4387-BB1E-D2ACA236B843}"/>
+              </a:ext>
+            </a:extLst>
+          </p:cNvPr>
+          <p:cNvCxnSpPr>
+            <a:cxnSpLocks/>
+          </p:cNvCxnSpPr>
+          <p:nvPr/>
+        </p:nvCxnSpPr>
+        <p:spPr>
+          <a:xfrm>
+            <a:off x="5006196" y="2705817"/>
+            <a:ext cx="8627" cy="2654060"/>
+          </a:xfrm>
+          <a:prstGeom prst="straightConnector1">
+            <a:avLst/>
+          </a:prstGeom>
+          <a:ln w="57150"/>
+        </p:spPr>
+        <p:style>
+          <a:lnRef idx="1">
+            <a:schemeClr val="accent1"/>
+          </a:lnRef>
+          <a:fillRef idx="0">
+            <a:schemeClr val="accent1"/>
+          </a:fillRef>
+          <a:effectRef idx="0">
+            <a:schemeClr val="accent1"/>
+          </a:effectRef>
+          <a:fontRef idx="minor">
+            <a:schemeClr val="tx1"/>
+          </a:fontRef>
+        </p:style>
+      </p:cxnSp>
+      <p:cxnSp>
+        <p:nvCxnSpPr>
+          <p:cNvPr id="8" name="Straight Arrow Connector 7">
+            <a:extLst>
+              <a:ext uri="{FF2B5EF4-FFF2-40B4-BE49-F238E27FC236}">
+                <a16:creationId xmlns:a16="http://schemas.microsoft.com/office/drawing/2014/main" id="{D8342CAA-9FE9-4D60-8C41-7161339B1E5D}"/>
+              </a:ext>
+            </a:extLst>
+          </p:cNvPr>
+          <p:cNvCxnSpPr>
+            <a:cxnSpLocks/>
+          </p:cNvCxnSpPr>
+          <p:nvPr/>
+        </p:nvCxnSpPr>
+        <p:spPr>
+          <a:xfrm>
+            <a:off x="6300158" y="2648307"/>
+            <a:ext cx="8627" cy="2654060"/>
+          </a:xfrm>
+          <a:prstGeom prst="straightConnector1">
+            <a:avLst/>
+          </a:prstGeom>
+          <a:ln w="57150"/>
+        </p:spPr>
+        <p:style>
+          <a:lnRef idx="1">
+            <a:schemeClr val="accent1"/>
+          </a:lnRef>
+          <a:fillRef idx="0">
+            <a:schemeClr val="accent1"/>
+          </a:fillRef>
+          <a:effectRef idx="0">
+            <a:schemeClr val="accent1"/>
+          </a:effectRef>
+          <a:fontRef idx="minor">
+            <a:schemeClr val="tx1"/>
+          </a:fontRef>
+        </p:style>
+      </p:cxnSp>
+      <p:cxnSp>
+        <p:nvCxnSpPr>
+          <p:cNvPr id="9" name="Straight Arrow Connector 8">
+            <a:extLst>
+              <a:ext uri="{FF2B5EF4-FFF2-40B4-BE49-F238E27FC236}">
+                <a16:creationId xmlns:a16="http://schemas.microsoft.com/office/drawing/2014/main" id="{00C670FA-6D7F-4DB5-A289-C7D3B2488AFC}"/>
+              </a:ext>
+            </a:extLst>
+          </p:cNvPr>
+          <p:cNvCxnSpPr>
+            <a:cxnSpLocks/>
+          </p:cNvCxnSpPr>
+          <p:nvPr/>
+        </p:nvCxnSpPr>
+        <p:spPr>
+          <a:xfrm flipV="1">
+            <a:off x="1153064" y="3102631"/>
+            <a:ext cx="6881003" cy="20128"/>
+          </a:xfrm>
+          <a:prstGeom prst="straightConnector1">
+            <a:avLst/>
+          </a:prstGeom>
+          <a:ln w="57150"/>
+        </p:spPr>
+        <p:style>
+          <a:lnRef idx="1">
+            <a:schemeClr val="accent1"/>
+          </a:lnRef>
+          <a:fillRef idx="0">
+            <a:schemeClr val="accent1"/>
+          </a:fillRef>
+          <a:effectRef idx="0">
+            <a:schemeClr val="accent1"/>
+          </a:effectRef>
+          <a:fontRef idx="minor">
+            <a:schemeClr val="tx1"/>
+          </a:fontRef>
+        </p:style>
+      </p:cxnSp>
     </p:spTree>
     <p:extLst>
       <p:ext uri="{BB962C8B-B14F-4D97-AF65-F5344CB8AC3E}">
-        <p14:creationId xmlns:p14="http://schemas.microsoft.com/office/powerpoint/2010/main" val="4278842127"/>
+        <p14:creationId xmlns:p14="http://schemas.microsoft.com/office/powerpoint/2010/main" val="3668972220"/>
       </p:ext>
     </p:extLst>
   </p:cSld>
@@ -7375,7 +8213,7 @@
           <p:cNvPr id="2" name="Title 1">
             <a:extLst>
               <a:ext uri="{FF2B5EF4-FFF2-40B4-BE49-F238E27FC236}">
-                <a16:creationId xmlns:a16="http://schemas.microsoft.com/office/drawing/2014/main" id="{10D71628-37D7-44B8-9BF7-B5DD391466B1}"/>
+                <a16:creationId xmlns:a16="http://schemas.microsoft.com/office/drawing/2014/main" id="{4F1CEADA-137B-4338-BC77-14877B7C6D9C}"/>
               </a:ext>
             </a:extLst>
           </p:cNvPr>
@@ -7386,123 +8224,50 @@
             <p:ph type="title"/>
           </p:nvPr>
         </p:nvSpPr>
-        <p:spPr>
-          <a:xfrm>
-            <a:off x="507521" y="4879615"/>
-            <a:ext cx="11464505" cy="1325563"/>
-          </a:xfrm>
-        </p:spPr>
-        <p:txBody>
-          <a:bodyPr>
-            <a:normAutofit/>
-          </a:bodyPr>
-          <a:lstStyle/>
-          <a:p>
-            <a:r>
-              <a:rPr lang="en-US" sz="4800" dirty="0">
+        <p:spPr/>
+        <p:txBody>
+          <a:bodyPr/>
+          <a:lstStyle/>
+          <a:p>
+            <a:r>
+              <a:rPr lang="en-US" dirty="0">
                 <a:cs typeface="Calibri Light"/>
               </a:rPr>
-              <a:t>Have you used software for version control?</a:t>
-            </a:r>
-          </a:p>
-        </p:txBody>
-      </p:sp>
-      <p:pic>
-        <p:nvPicPr>
-          <p:cNvPr id="4" name="Picture 4" descr="A close up of a keyboard&#10;&#10;Description generated with very high confidence">
+              <a:t>CSV quiz</a:t>
+            </a:r>
+            <a:endParaRPr lang="en-US" dirty="0"/>
+          </a:p>
+        </p:txBody>
+      </p:sp>
+      <p:sp>
+        <p:nvSpPr>
+          <p:cNvPr id="3" name="Content Placeholder 2">
             <a:extLst>
               <a:ext uri="{FF2B5EF4-FFF2-40B4-BE49-F238E27FC236}">
-                <a16:creationId xmlns:a16="http://schemas.microsoft.com/office/drawing/2014/main" id="{F898879F-4E32-4E78-ADE2-EB0117A35D52}"/>
+                <a16:creationId xmlns:a16="http://schemas.microsoft.com/office/drawing/2014/main" id="{248DAB88-6B3C-4156-A463-636C8A8961DA}"/>
               </a:ext>
             </a:extLst>
           </p:cNvPr>
-          <p:cNvPicPr>
-            <a:picLocks noGrp="1" noChangeAspect="1"/>
-          </p:cNvPicPr>
+          <p:cNvSpPr>
+            <a:spLocks noGrp="1"/>
+          </p:cNvSpPr>
           <p:nvPr>
             <p:ph idx="1"/>
           </p:nvPr>
-        </p:nvPicPr>
-        <p:blipFill>
-          <a:blip r:embed="rId3"/>
-          <a:stretch>
-            <a:fillRect/>
-          </a:stretch>
-        </p:blipFill>
-        <p:spPr>
-          <a:xfrm>
-            <a:off x="310551" y="161822"/>
-            <a:ext cx="11657162" cy="4501550"/>
-          </a:xfrm>
-          <a:prstGeom prst="rect">
-            <a:avLst/>
-          </a:prstGeom>
-        </p:spPr>
-      </p:pic>
-      <p:sp>
-        <p:nvSpPr>
-          <p:cNvPr id="6" name="TextBox 5">
-            <a:extLst>
-              <a:ext uri="{FF2B5EF4-FFF2-40B4-BE49-F238E27FC236}">
-                <a16:creationId xmlns:a16="http://schemas.microsoft.com/office/drawing/2014/main" id="{E41DD94E-B323-47E3-91D1-774620F52BF2}"/>
-              </a:ext>
-            </a:extLst>
-          </p:cNvPr>
-          <p:cNvSpPr txBox="1"/>
-          <p:nvPr/>
-        </p:nvSpPr>
-        <p:spPr>
-          <a:xfrm>
-            <a:off x="2625306" y="6212457"/>
-            <a:ext cx="4267200" cy="584775"/>
-          </a:xfrm>
-          <a:prstGeom prst="rect">
-            <a:avLst/>
-          </a:prstGeom>
-        </p:spPr>
-        <p:txBody>
-          <a:bodyPr rot="0" spcFirstLastPara="0" vertOverflow="overflow" horzOverflow="overflow" vert="horz" wrap="square" lIns="91440" tIns="45720" rIns="91440" bIns="45720" numCol="1" spcCol="0" rtlCol="0" fromWordArt="0" anchor="t" anchorCtr="0" forceAA="0" compatLnSpc="1">
-            <a:prstTxWarp prst="textNoShape">
-              <a:avLst/>
-            </a:prstTxWarp>
-            <a:spAutoFit/>
-          </a:bodyPr>
-          <a:lstStyle/>
-          <a:p>
-            <a:pPr algn="ctr"/>
-            <a:r>
-              <a:rPr lang="en-US" sz="3200" i="1" dirty="0"/>
-              <a:t>Examples</a:t>
-            </a:r>
-            <a:r>
-              <a:rPr lang="en-US" sz="3200" dirty="0"/>
-              <a:t>:</a:t>
-            </a:r>
-            <a:r>
-              <a:rPr lang="en-US" sz="3200" dirty="0">
-                <a:cs typeface="Calibri"/>
-              </a:rPr>
-              <a:t> git, </a:t>
-            </a:r>
-            <a:r>
-              <a:rPr lang="en-US" sz="3200" dirty="0" err="1">
-                <a:cs typeface="Calibri"/>
-              </a:rPr>
-              <a:t>svn</a:t>
-            </a:r>
-            <a:r>
-              <a:rPr lang="en-US" sz="3200" dirty="0">
-                <a:cs typeface="Calibri"/>
-              </a:rPr>
-              <a:t>, hg</a:t>
-            </a:r>
+        </p:nvSpPr>
+        <p:spPr/>
+        <p:txBody>
+          <a:bodyPr/>
+          <a:lstStyle/>
+          <a:p>
+            <a:endParaRPr lang="en-US"/>
           </a:p>
         </p:txBody>
       </p:sp>
     </p:spTree>
     <p:extLst>
       <p:ext uri="{BB962C8B-B14F-4D97-AF65-F5344CB8AC3E}">
-        <p14:creationId xmlns:p14="http://schemas.microsoft.com/office/powerpoint/2010/main" val="2870482583"/>
+        <p14:creationId xmlns:p14="http://schemas.microsoft.com/office/powerpoint/2010/main" val="3810760957"/>
       </p:ext>
     </p:extLst>
   </p:cSld>
@@ -7534,7 +8299,7 @@
           <p:cNvPr id="2" name="Title 1">
             <a:extLst>
               <a:ext uri="{FF2B5EF4-FFF2-40B4-BE49-F238E27FC236}">
-                <a16:creationId xmlns:a16="http://schemas.microsoft.com/office/drawing/2014/main" id="{3A80468E-EF77-4389-B80C-F218AF808A6D}"/>
+                <a16:creationId xmlns:a16="http://schemas.microsoft.com/office/drawing/2014/main" id="{E81DD38E-F5EA-4A91-875F-90C4D24A633E}"/>
               </a:ext>
             </a:extLst>
           </p:cNvPr>
@@ -7551,12 +8316,12 @@
           <a:lstStyle/>
           <a:p>
             <a:r>
-              <a:rPr lang="en-US">
+              <a:rPr lang="en-US" dirty="0">
                 <a:cs typeface="Calibri Light"/>
               </a:rPr>
-              <a:t>data science is more than math and software</a:t>
-            </a:r>
-            <a:endParaRPr lang="en-US"/>
+              <a:t>science</a:t>
+            </a:r>
+            <a:endParaRPr lang="en-US" dirty="0"/>
           </a:p>
         </p:txBody>
       </p:sp>
@@ -7565,7 +8330,7 @@
           <p:cNvPr id="3" name="Content Placeholder 2">
             <a:extLst>
               <a:ext uri="{FF2B5EF4-FFF2-40B4-BE49-F238E27FC236}">
-                <a16:creationId xmlns:a16="http://schemas.microsoft.com/office/drawing/2014/main" id="{55A880FE-9DE4-437A-BA99-8A01145140CB}"/>
+                <a16:creationId xmlns:a16="http://schemas.microsoft.com/office/drawing/2014/main" id="{7DABFF33-165D-49CD-8F9D-7394951F24DB}"/>
               </a:ext>
             </a:extLst>
           </p:cNvPr>
@@ -7579,7 +8344,7 @@
         <p:spPr/>
         <p:txBody>
           <a:bodyPr vert="horz" lIns="91440" tIns="45720" rIns="91440" bIns="45720" rtlCol="0" anchor="t">
-            <a:normAutofit/>
+            <a:normAutofit fontScale="92500"/>
           </a:bodyPr>
           <a:lstStyle/>
           <a:p>
@@ -7587,74 +8352,77 @@
               <a:buNone/>
             </a:pPr>
             <a:r>
-              <a:rPr lang="en-US" sz="3200" dirty="0">
-                <a:cs typeface="Calibri"/>
-              </a:rPr>
-              <a:t>human interaction in data science</a:t>
-            </a:r>
-          </a:p>
-          <a:p>
-            <a:r>
-              <a:rPr lang="en-US" sz="3200" dirty="0">
-                <a:cs typeface="Calibri"/>
-              </a:rPr>
-              <a:t>discovering stakeholders</a:t>
-            </a:r>
-          </a:p>
-          <a:p>
-            <a:r>
-              <a:rPr lang="en-US" sz="3200" dirty="0">
-                <a:cs typeface="Calibri"/>
-              </a:rPr>
-              <a:t>negotiating with data owners</a:t>
-            </a:r>
-          </a:p>
-          <a:p>
-            <a:r>
-              <a:rPr lang="en-US" sz="3200" dirty="0">
-                <a:cs typeface="Calibri"/>
-              </a:rPr>
-              <a:t>customer engagement</a:t>
-            </a:r>
-          </a:p>
-        </p:txBody>
-      </p:sp>
-      <p:sp>
-        <p:nvSpPr>
-          <p:cNvPr id="4" name="TextBox 3">
-            <a:extLst>
-              <a:ext uri="{FF2B5EF4-FFF2-40B4-BE49-F238E27FC236}">
-                <a16:creationId xmlns:a16="http://schemas.microsoft.com/office/drawing/2014/main" id="{602FD875-693F-4816-913D-7486A9261007}"/>
-              </a:ext>
-            </a:extLst>
-          </p:cNvPr>
-          <p:cNvSpPr txBox="1"/>
-          <p:nvPr/>
-        </p:nvSpPr>
-        <p:spPr>
-          <a:xfrm>
-            <a:off x="928778" y="5206042"/>
-            <a:ext cx="10363199" cy="461665"/>
-          </a:xfrm>
-          <a:prstGeom prst="rect">
-            <a:avLst/>
-          </a:prstGeom>
-        </p:spPr>
-        <p:txBody>
-          <a:bodyPr rot="0" spcFirstLastPara="0" vertOverflow="overflow" horzOverflow="overflow" vert="horz" wrap="square" lIns="91440" tIns="45720" rIns="91440" bIns="45720" numCol="1" spcCol="0" rtlCol="0" fromWordArt="0" anchor="t" anchorCtr="0" forceAA="0" compatLnSpc="1">
-            <a:prstTxWarp prst="textNoShape">
-              <a:avLst/>
-            </a:prstTxWarp>
-            <a:spAutoFit/>
-          </a:bodyPr>
-          <a:lstStyle/>
-          <a:p>
-            <a:pPr algn="ctr"/>
-            <a:r>
-              <a:rPr lang="en-US" sz="2400" dirty="0"/>
-              <a:t>https://hbr.org/2017/01/the-best-data-scientists-get-out-and-talk-to-people</a:t>
-            </a:r>
-            <a:endParaRPr lang="en-US" sz="2400" dirty="0">
+              <a:rPr lang="en-US" dirty="0">
+                <a:cs typeface="Calibri"/>
+              </a:rPr>
+              <a:t>Science is a systematic enterprise that builds and organizes knowledge in the form of testable explanations and predictions about the universe.</a:t>
+            </a:r>
+          </a:p>
+          <a:p>
+            <a:pPr>
+              <a:buNone/>
+            </a:pPr>
+            <a:r>
+              <a:rPr lang="en-US" dirty="0">
+                <a:cs typeface="Calibri"/>
+              </a:rPr>
+              <a:t>       </a:t>
+            </a:r>
+            <a:r>
+              <a:rPr lang="en-US" sz="2400" dirty="0">
+                <a:cs typeface="Calibri"/>
+              </a:rPr>
+              <a:t>https://en.wikipedia.org/wiki/Science</a:t>
+            </a:r>
+          </a:p>
+          <a:p>
+            <a:endParaRPr lang="en-US" dirty="0">
+              <a:cs typeface="Calibri"/>
+            </a:endParaRPr>
+          </a:p>
+          <a:p>
+            <a:pPr marL="0" indent="0">
+              <a:buNone/>
+            </a:pPr>
+            <a:r>
+              <a:rPr lang="en-US" dirty="0">
+                <a:cs typeface="Calibri"/>
+              </a:rPr>
+              <a:t>https://www.youtube.com/watch?v=j12BBcKSgEQ</a:t>
+            </a:r>
+          </a:p>
+          <a:p>
+            <a:endParaRPr lang="en-US" dirty="0">
+              <a:cs typeface="Calibri"/>
+            </a:endParaRPr>
+          </a:p>
+          <a:p>
+            <a:r>
+              <a:rPr lang="en-US" dirty="0">
+                <a:cs typeface="Calibri"/>
+              </a:rPr>
+              <a:t>Data</a:t>
+            </a:r>
+            <a:endParaRPr lang="en-US" dirty="0"/>
+          </a:p>
+          <a:p>
+            <a:r>
+              <a:rPr lang="en-US" dirty="0">
+                <a:cs typeface="Calibri"/>
+              </a:rPr>
+              <a:t>Model</a:t>
+            </a:r>
+          </a:p>
+          <a:p>
+            <a:r>
+              <a:rPr lang="en-US" dirty="0">
+                <a:cs typeface="Calibri"/>
+              </a:rPr>
+              <a:t>Question/hypothesis/assumption</a:t>
+            </a:r>
+          </a:p>
+          <a:p>
+            <a:endParaRPr lang="en-US" dirty="0">
               <a:cs typeface="Calibri"/>
             </a:endParaRPr>
           </a:p>
@@ -7663,7 +8431,7 @@
     </p:spTree>
     <p:extLst>
       <p:ext uri="{BB962C8B-B14F-4D97-AF65-F5344CB8AC3E}">
-        <p14:creationId xmlns:p14="http://schemas.microsoft.com/office/powerpoint/2010/main" val="2968388444"/>
+        <p14:creationId xmlns:p14="http://schemas.microsoft.com/office/powerpoint/2010/main" val="1364403274"/>
       </p:ext>
     </p:extLst>
   </p:cSld>
@@ -7695,7 +8463,7 @@
           <p:cNvPr id="2" name="Title 1">
             <a:extLst>
               <a:ext uri="{FF2B5EF4-FFF2-40B4-BE49-F238E27FC236}">
-                <a16:creationId xmlns:a16="http://schemas.microsoft.com/office/drawing/2014/main" id="{7B1FE93C-CCA5-46DC-94BA-2402141BAA32}"/>
+                <a16:creationId xmlns:a16="http://schemas.microsoft.com/office/drawing/2014/main" id="{F18F2169-A463-4033-B549-EF56D978D2FF}"/>
               </a:ext>
             </a:extLst>
           </p:cNvPr>
@@ -7712,12 +8480,12 @@
           <a:lstStyle/>
           <a:p>
             <a:r>
-              <a:rPr lang="en-US">
+              <a:rPr lang="en-US" dirty="0">
                 <a:cs typeface="Calibri Light"/>
               </a:rPr>
-              <a:t>iterating with customers</a:t>
-            </a:r>
-            <a:endParaRPr lang="en-US"/>
+              <a:t>Repeatability</a:t>
+            </a:r>
+            <a:endParaRPr lang="en-US" dirty="0"/>
           </a:p>
         </p:txBody>
       </p:sp>
@@ -7726,7 +8494,7 @@
           <p:cNvPr id="3" name="Content Placeholder 2">
             <a:extLst>
               <a:ext uri="{FF2B5EF4-FFF2-40B4-BE49-F238E27FC236}">
-                <a16:creationId xmlns:a16="http://schemas.microsoft.com/office/drawing/2014/main" id="{B34CCA8B-EB7D-49D2-94BF-CF38A4B77E1B}"/>
+                <a16:creationId xmlns:a16="http://schemas.microsoft.com/office/drawing/2014/main" id="{5544D4C5-B58A-4E66-B9BD-8E9919FBE6FD}"/>
               </a:ext>
             </a:extLst>
           </p:cNvPr>
@@ -7739,63 +8507,17 @@
         </p:nvSpPr>
         <p:spPr/>
         <p:txBody>
-          <a:bodyPr vert="horz" lIns="91440" tIns="45720" rIns="91440" bIns="45720" rtlCol="0" anchor="t">
-            <a:normAutofit/>
-          </a:bodyPr>
-          <a:lstStyle/>
-          <a:p>
-            <a:r>
-              <a:rPr lang="en-US">
-                <a:cs typeface="Calibri"/>
-              </a:rPr>
-              <a:t>as a data scientist, you'll often be working for someone other than yourself.</a:t>
-            </a:r>
-          </a:p>
+          <a:bodyPr/>
+          <a:lstStyle/>
           <a:p>
             <a:endParaRPr lang="en-US"/>
-          </a:p>
-          <a:p>
-            <a:r>
-              <a:rPr lang="en-US">
-                <a:cs typeface="Calibri"/>
-              </a:rPr>
-              <a:t>Expect under-specified requirements from customers. Iterate.</a:t>
-            </a:r>
-            <a:endParaRPr lang="en-US"/>
-          </a:p>
-          <a:p>
-            <a:endParaRPr lang="en-US"/>
-          </a:p>
-          <a:p>
-            <a:r>
-              <a:rPr lang="en-US">
-                <a:cs typeface="Calibri"/>
-              </a:rPr>
-              <a:t>Provide incomplete solutions rather than waiting until the product is perfect.</a:t>
-            </a:r>
-            <a:endParaRPr lang="en-US"/>
-          </a:p>
-          <a:p>
-            <a:r>
-              <a:rPr lang="en-US" dirty="0">
-                <a:cs typeface="Calibri"/>
-                <a:hlinkClick r:id="rId2"/>
-              </a:rPr>
-              <a:t>https://en.wikipedia.org/wiki/Minimum_viable_product</a:t>
-            </a:r>
-            <a:endParaRPr lang="en-US"/>
-          </a:p>
-          <a:p>
-            <a:endParaRPr lang="en-US" dirty="0">
-              <a:cs typeface="Calibri"/>
-            </a:endParaRPr>
           </a:p>
         </p:txBody>
       </p:sp>
     </p:spTree>
     <p:extLst>
       <p:ext uri="{BB962C8B-B14F-4D97-AF65-F5344CB8AC3E}">
-        <p14:creationId xmlns:p14="http://schemas.microsoft.com/office/powerpoint/2010/main" val="1824397595"/>
+        <p14:creationId xmlns:p14="http://schemas.microsoft.com/office/powerpoint/2010/main" val="493460726"/>
       </p:ext>
     </p:extLst>
   </p:cSld>
@@ -7827,7 +8549,7 @@
           <p:cNvPr id="2" name="Title 1">
             <a:extLst>
               <a:ext uri="{FF2B5EF4-FFF2-40B4-BE49-F238E27FC236}">
-                <a16:creationId xmlns:a16="http://schemas.microsoft.com/office/drawing/2014/main" id="{6152155A-7004-48CA-B1F2-E45C288D506B}"/>
+                <a16:creationId xmlns:a16="http://schemas.microsoft.com/office/drawing/2014/main" id="{67024DFB-3D52-4034-B083-39B732D0FCFA}"/>
               </a:ext>
             </a:extLst>
           </p:cNvPr>
@@ -7838,45 +8560,22 @@
             <p:ph type="title"/>
           </p:nvPr>
         </p:nvSpPr>
-        <p:spPr>
-          <a:xfrm>
-            <a:off x="838200" y="365125"/>
-            <a:ext cx="10515600" cy="2518883"/>
-          </a:xfrm>
-        </p:spPr>
-        <p:txBody>
-          <a:bodyPr>
-            <a:normAutofit/>
-          </a:bodyPr>
-          <a:lstStyle/>
-          <a:p>
+        <p:spPr/>
+        <p:txBody>
+          <a:bodyPr/>
+          <a:lstStyle/>
+          <a:p>
+            <a:r>
+              <a:rPr lang="en-US" i="1">
+                <a:cs typeface="Calibri Light"/>
+              </a:rPr>
+              <a:t>Best practices</a:t>
+            </a:r>
             <a:r>
               <a:rPr lang="en-US">
                 <a:cs typeface="Calibri Light"/>
               </a:rPr>
-              <a:t>when to persist, </a:t>
-            </a:r>
-            <a:br>
-              <a:rPr lang="en-US" dirty="0">
-                <a:cs typeface="Calibri Light"/>
-              </a:rPr>
-            </a:br>
-            <a:r>
-              <a:rPr lang="en-US">
-                <a:cs typeface="Calibri Light"/>
-              </a:rPr>
-              <a:t>when to change course, </a:t>
-            </a:r>
-            <a:br>
-              <a:rPr lang="en-US" dirty="0">
-                <a:cs typeface="Calibri Light"/>
-              </a:rPr>
-            </a:br>
-            <a:r>
-              <a:rPr lang="en-US">
-                <a:cs typeface="Calibri Light"/>
-              </a:rPr>
-              <a:t>when to seek help</a:t>
+              <a:t>: Version control</a:t>
             </a:r>
             <a:endParaRPr lang="en-US"/>
           </a:p>
@@ -7887,7 +8586,7 @@
           <p:cNvPr id="3" name="Content Placeholder 2">
             <a:extLst>
               <a:ext uri="{FF2B5EF4-FFF2-40B4-BE49-F238E27FC236}">
-                <a16:creationId xmlns:a16="http://schemas.microsoft.com/office/drawing/2014/main" id="{D850296D-7AB8-48C8-BA9B-87C0E5E36123}"/>
+                <a16:creationId xmlns:a16="http://schemas.microsoft.com/office/drawing/2014/main" id="{BFBA8429-B089-4264-A062-0E8D525F86E3}"/>
               </a:ext>
             </a:extLst>
           </p:cNvPr>
@@ -7898,34 +8597,100 @@
             <p:ph idx="1"/>
           </p:nvPr>
         </p:nvSpPr>
-        <p:spPr>
-          <a:xfrm>
-            <a:off x="421257" y="3550907"/>
-            <a:ext cx="11349486" cy="2669188"/>
-          </a:xfrm>
-        </p:spPr>
+        <p:spPr/>
         <p:txBody>
           <a:bodyPr vert="horz" lIns="91440" tIns="45720" rIns="91440" bIns="45720" rtlCol="0" anchor="t">
             <a:normAutofit/>
           </a:bodyPr>
           <a:lstStyle/>
           <a:p>
-            <a:pPr marL="0" indent="0">
-              <a:buNone/>
-            </a:pPr>
             <a:r>
               <a:rPr lang="en-US" dirty="0">
                 <a:cs typeface="Calibri"/>
               </a:rPr>
-              <a:t>try an attack for 30 minutes, then seek help or do something else for a while</a:t>
-            </a:r>
+              <a:t>Regardless of how you develop analytics, you'll be creating or editing software. </a:t>
+            </a:r>
+            <a:endParaRPr lang="en-US">
+              <a:cs typeface="Calibri"/>
+            </a:endParaRPr>
+          </a:p>
+          <a:p>
+            <a:endParaRPr lang="en-US" dirty="0">
+              <a:cs typeface="Calibri"/>
+            </a:endParaRPr>
+          </a:p>
+          <a:p>
+            <a:endParaRPr lang="en-US">
+              <a:cs typeface="Calibri"/>
+            </a:endParaRPr>
+          </a:p>
+          <a:p>
+            <a:r>
+              <a:rPr lang="en-US" dirty="0">
+                <a:cs typeface="Calibri"/>
+              </a:rPr>
+              <a:t>[</a:t>
+            </a:r>
+            <a:r>
+              <a:rPr lang="en-US" i="1" dirty="0">
+                <a:cs typeface="Calibri"/>
+              </a:rPr>
+              <a:t>lesson</a:t>
+            </a:r>
+            <a:r>
+              <a:rPr lang="en-US" dirty="0">
+                <a:cs typeface="Calibri"/>
+              </a:rPr>
+              <a:t>] Regardless of how you implement best practices, avoid inventing solutions for which someone else already provided a path.</a:t>
+            </a:r>
+          </a:p>
+        </p:txBody>
+      </p:sp>
+      <p:sp>
+        <p:nvSpPr>
+          <p:cNvPr id="4" name="TextBox 3">
+            <a:extLst>
+              <a:ext uri="{FF2B5EF4-FFF2-40B4-BE49-F238E27FC236}">
+                <a16:creationId xmlns:a16="http://schemas.microsoft.com/office/drawing/2014/main" id="{4524B6D4-0E9B-4B3B-B2AE-D882ED5055AB}"/>
+              </a:ext>
+            </a:extLst>
+          </p:cNvPr>
+          <p:cNvSpPr txBox="1"/>
+          <p:nvPr/>
+        </p:nvSpPr>
+        <p:spPr>
+          <a:xfrm>
+            <a:off x="3602966" y="5608607"/>
+            <a:ext cx="6711350" cy="461665"/>
+          </a:xfrm>
+          <a:prstGeom prst="rect">
+            <a:avLst/>
+          </a:prstGeom>
+        </p:spPr>
+        <p:txBody>
+          <a:bodyPr rot="0" spcFirstLastPara="0" vertOverflow="overflow" horzOverflow="overflow" vert="horz" wrap="square" lIns="91440" tIns="45720" rIns="91440" bIns="45720" numCol="1" spcCol="0" rtlCol="0" fromWordArt="0" anchor="t" anchorCtr="0" forceAA="0" compatLnSpc="1">
+            <a:prstTxWarp prst="textNoShape">
+              <a:avLst/>
+            </a:prstTxWarp>
+            <a:spAutoFit/>
+          </a:bodyPr>
+          <a:lstStyle/>
+          <a:p>
+            <a:pPr algn="ctr"/>
+            <a:r>
+              <a:rPr lang="en-US" sz="2400" dirty="0"/>
+              <a:t>Suggested resource:    https://try.github.io/</a:t>
+            </a:r>
+            <a:endParaRPr lang="en-US" sz="2400" dirty="0">
+              <a:cs typeface="Calibri"/>
+            </a:endParaRPr>
           </a:p>
         </p:txBody>
       </p:sp>
     </p:spTree>
     <p:extLst>
       <p:ext uri="{BB962C8B-B14F-4D97-AF65-F5344CB8AC3E}">
-        <p14:creationId xmlns:p14="http://schemas.microsoft.com/office/powerpoint/2010/main" val="3368428427"/>
+        <p14:creationId xmlns:p14="http://schemas.microsoft.com/office/powerpoint/2010/main" val="4278842127"/>
       </p:ext>
     </p:extLst>
   </p:cSld>
@@ -7957,6 +8722,729 @@
           <p:cNvPr id="2" name="Title 1">
             <a:extLst>
               <a:ext uri="{FF2B5EF4-FFF2-40B4-BE49-F238E27FC236}">
+                <a16:creationId xmlns:a16="http://schemas.microsoft.com/office/drawing/2014/main" id="{10D71628-37D7-44B8-9BF7-B5DD391466B1}"/>
+              </a:ext>
+            </a:extLst>
+          </p:cNvPr>
+          <p:cNvSpPr>
+            <a:spLocks noGrp="1"/>
+          </p:cNvSpPr>
+          <p:nvPr>
+            <p:ph type="title"/>
+          </p:nvPr>
+        </p:nvSpPr>
+        <p:spPr>
+          <a:xfrm>
+            <a:off x="507521" y="4879615"/>
+            <a:ext cx="11464505" cy="1325563"/>
+          </a:xfrm>
+        </p:spPr>
+        <p:txBody>
+          <a:bodyPr>
+            <a:normAutofit/>
+          </a:bodyPr>
+          <a:lstStyle/>
+          <a:p>
+            <a:r>
+              <a:rPr lang="en-US" sz="4800" dirty="0">
+                <a:cs typeface="Calibri Light"/>
+              </a:rPr>
+              <a:t>Have you used software for version control?</a:t>
+            </a:r>
+          </a:p>
+        </p:txBody>
+      </p:sp>
+      <p:pic>
+        <p:nvPicPr>
+          <p:cNvPr id="4" name="Picture 4" descr="A close up of a keyboard&#10;&#10;Description generated with very high confidence">
+            <a:extLst>
+              <a:ext uri="{FF2B5EF4-FFF2-40B4-BE49-F238E27FC236}">
+                <a16:creationId xmlns:a16="http://schemas.microsoft.com/office/drawing/2014/main" id="{F898879F-4E32-4E78-ADE2-EB0117A35D52}"/>
+              </a:ext>
+            </a:extLst>
+          </p:cNvPr>
+          <p:cNvPicPr>
+            <a:picLocks noGrp="1" noChangeAspect="1"/>
+          </p:cNvPicPr>
+          <p:nvPr>
+            <p:ph idx="1"/>
+          </p:nvPr>
+        </p:nvPicPr>
+        <p:blipFill>
+          <a:blip r:embed="rId3"/>
+          <a:stretch>
+            <a:fillRect/>
+          </a:stretch>
+        </p:blipFill>
+        <p:spPr>
+          <a:xfrm>
+            <a:off x="310551" y="161822"/>
+            <a:ext cx="11657162" cy="4501550"/>
+          </a:xfrm>
+          <a:prstGeom prst="rect">
+            <a:avLst/>
+          </a:prstGeom>
+        </p:spPr>
+      </p:pic>
+      <p:sp>
+        <p:nvSpPr>
+          <p:cNvPr id="6" name="TextBox 5">
+            <a:extLst>
+              <a:ext uri="{FF2B5EF4-FFF2-40B4-BE49-F238E27FC236}">
+                <a16:creationId xmlns:a16="http://schemas.microsoft.com/office/drawing/2014/main" id="{E41DD94E-B323-47E3-91D1-774620F52BF2}"/>
+              </a:ext>
+            </a:extLst>
+          </p:cNvPr>
+          <p:cNvSpPr txBox="1"/>
+          <p:nvPr/>
+        </p:nvSpPr>
+        <p:spPr>
+          <a:xfrm>
+            <a:off x="2625306" y="6212457"/>
+            <a:ext cx="4267200" cy="584775"/>
+          </a:xfrm>
+          <a:prstGeom prst="rect">
+            <a:avLst/>
+          </a:prstGeom>
+        </p:spPr>
+        <p:txBody>
+          <a:bodyPr rot="0" spcFirstLastPara="0" vertOverflow="overflow" horzOverflow="overflow" vert="horz" wrap="square" lIns="91440" tIns="45720" rIns="91440" bIns="45720" numCol="1" spcCol="0" rtlCol="0" fromWordArt="0" anchor="t" anchorCtr="0" forceAA="0" compatLnSpc="1">
+            <a:prstTxWarp prst="textNoShape">
+              <a:avLst/>
+            </a:prstTxWarp>
+            <a:spAutoFit/>
+          </a:bodyPr>
+          <a:lstStyle/>
+          <a:p>
+            <a:pPr algn="ctr"/>
+            <a:r>
+              <a:rPr lang="en-US" sz="3200" i="1" dirty="0"/>
+              <a:t>Examples</a:t>
+            </a:r>
+            <a:r>
+              <a:rPr lang="en-US" sz="3200" dirty="0"/>
+              <a:t>:</a:t>
+            </a:r>
+            <a:r>
+              <a:rPr lang="en-US" sz="3200" dirty="0">
+                <a:cs typeface="Calibri"/>
+              </a:rPr>
+              <a:t> git, </a:t>
+            </a:r>
+            <a:r>
+              <a:rPr lang="en-US" sz="3200" dirty="0" err="1">
+                <a:cs typeface="Calibri"/>
+              </a:rPr>
+              <a:t>svn</a:t>
+            </a:r>
+            <a:r>
+              <a:rPr lang="en-US" sz="3200" dirty="0">
+                <a:cs typeface="Calibri"/>
+              </a:rPr>
+              <a:t>, hg</a:t>
+            </a:r>
+          </a:p>
+        </p:txBody>
+      </p:sp>
+    </p:spTree>
+    <p:extLst>
+      <p:ext uri="{BB962C8B-B14F-4D97-AF65-F5344CB8AC3E}">
+        <p14:creationId xmlns:p14="http://schemas.microsoft.com/office/powerpoint/2010/main" val="2870482583"/>
+      </p:ext>
+    </p:extLst>
+  </p:cSld>
+  <p:clrMapOvr>
+    <a:masterClrMapping/>
+  </p:clrMapOvr>
+</p:sld>
+</file>
+
+<file path=ppt/slides/slide29.xml><?xml version="1.0" encoding="utf-8"?>
+<p:sld xmlns:a="http://schemas.openxmlformats.org/drawingml/2006/main" xmlns:r="http://schemas.openxmlformats.org/officeDocument/2006/relationships" xmlns:p="http://schemas.openxmlformats.org/presentationml/2006/main">
+  <p:cSld>
+    <p:spTree>
+      <p:nvGrpSpPr>
+        <p:cNvPr id="1" name=""/>
+        <p:cNvGrpSpPr/>
+        <p:nvPr/>
+      </p:nvGrpSpPr>
+      <p:grpSpPr>
+        <a:xfrm>
+          <a:off x="0" y="0"/>
+          <a:ext cx="0" cy="0"/>
+          <a:chOff x="0" y="0"/>
+          <a:chExt cx="0" cy="0"/>
+        </a:xfrm>
+      </p:grpSpPr>
+      <p:sp>
+        <p:nvSpPr>
+          <p:cNvPr id="2" name="Title 1">
+            <a:extLst>
+              <a:ext uri="{FF2B5EF4-FFF2-40B4-BE49-F238E27FC236}">
+                <a16:creationId xmlns:a16="http://schemas.microsoft.com/office/drawing/2014/main" id="{3A80468E-EF77-4389-B80C-F218AF808A6D}"/>
+              </a:ext>
+            </a:extLst>
+          </p:cNvPr>
+          <p:cNvSpPr>
+            <a:spLocks noGrp="1"/>
+          </p:cNvSpPr>
+          <p:nvPr>
+            <p:ph type="title"/>
+          </p:nvPr>
+        </p:nvSpPr>
+        <p:spPr/>
+        <p:txBody>
+          <a:bodyPr/>
+          <a:lstStyle/>
+          <a:p>
+            <a:r>
+              <a:rPr lang="en-US">
+                <a:cs typeface="Calibri Light"/>
+              </a:rPr>
+              <a:t>data science is more than math and software</a:t>
+            </a:r>
+            <a:endParaRPr lang="en-US"/>
+          </a:p>
+        </p:txBody>
+      </p:sp>
+      <p:sp>
+        <p:nvSpPr>
+          <p:cNvPr id="3" name="Content Placeholder 2">
+            <a:extLst>
+              <a:ext uri="{FF2B5EF4-FFF2-40B4-BE49-F238E27FC236}">
+                <a16:creationId xmlns:a16="http://schemas.microsoft.com/office/drawing/2014/main" id="{55A880FE-9DE4-437A-BA99-8A01145140CB}"/>
+              </a:ext>
+            </a:extLst>
+          </p:cNvPr>
+          <p:cNvSpPr>
+            <a:spLocks noGrp="1"/>
+          </p:cNvSpPr>
+          <p:nvPr>
+            <p:ph idx="1"/>
+          </p:nvPr>
+        </p:nvSpPr>
+        <p:spPr/>
+        <p:txBody>
+          <a:bodyPr vert="horz" lIns="91440" tIns="45720" rIns="91440" bIns="45720" rtlCol="0" anchor="t">
+            <a:normAutofit/>
+          </a:bodyPr>
+          <a:lstStyle/>
+          <a:p>
+            <a:pPr marL="0" indent="0">
+              <a:buNone/>
+            </a:pPr>
+            <a:r>
+              <a:rPr lang="en-US" sz="3200" dirty="0">
+                <a:cs typeface="Calibri"/>
+              </a:rPr>
+              <a:t>human interaction in data science</a:t>
+            </a:r>
+          </a:p>
+          <a:p>
+            <a:r>
+              <a:rPr lang="en-US" sz="3200" dirty="0">
+                <a:cs typeface="Calibri"/>
+              </a:rPr>
+              <a:t>discovering stakeholders</a:t>
+            </a:r>
+          </a:p>
+          <a:p>
+            <a:r>
+              <a:rPr lang="en-US" sz="3200" dirty="0">
+                <a:cs typeface="Calibri"/>
+              </a:rPr>
+              <a:t>negotiating with data owners</a:t>
+            </a:r>
+          </a:p>
+          <a:p>
+            <a:r>
+              <a:rPr lang="en-US" sz="3200" dirty="0">
+                <a:cs typeface="Calibri"/>
+              </a:rPr>
+              <a:t>customer engagement</a:t>
+            </a:r>
+          </a:p>
+        </p:txBody>
+      </p:sp>
+      <p:sp>
+        <p:nvSpPr>
+          <p:cNvPr id="4" name="TextBox 3">
+            <a:extLst>
+              <a:ext uri="{FF2B5EF4-FFF2-40B4-BE49-F238E27FC236}">
+                <a16:creationId xmlns:a16="http://schemas.microsoft.com/office/drawing/2014/main" id="{602FD875-693F-4816-913D-7486A9261007}"/>
+              </a:ext>
+            </a:extLst>
+          </p:cNvPr>
+          <p:cNvSpPr txBox="1"/>
+          <p:nvPr/>
+        </p:nvSpPr>
+        <p:spPr>
+          <a:xfrm>
+            <a:off x="928778" y="5206042"/>
+            <a:ext cx="10363199" cy="461665"/>
+          </a:xfrm>
+          <a:prstGeom prst="rect">
+            <a:avLst/>
+          </a:prstGeom>
+        </p:spPr>
+        <p:txBody>
+          <a:bodyPr rot="0" spcFirstLastPara="0" vertOverflow="overflow" horzOverflow="overflow" vert="horz" wrap="square" lIns="91440" tIns="45720" rIns="91440" bIns="45720" numCol="1" spcCol="0" rtlCol="0" fromWordArt="0" anchor="t" anchorCtr="0" forceAA="0" compatLnSpc="1">
+            <a:prstTxWarp prst="textNoShape">
+              <a:avLst/>
+            </a:prstTxWarp>
+            <a:spAutoFit/>
+          </a:bodyPr>
+          <a:lstStyle/>
+          <a:p>
+            <a:pPr algn="ctr"/>
+            <a:r>
+              <a:rPr lang="en-US" sz="2400" dirty="0"/>
+              <a:t>https://hbr.org/2017/01/the-best-data-scientists-get-out-and-talk-to-people</a:t>
+            </a:r>
+            <a:endParaRPr lang="en-US" sz="2400" dirty="0">
+              <a:cs typeface="Calibri"/>
+            </a:endParaRPr>
+          </a:p>
+        </p:txBody>
+      </p:sp>
+    </p:spTree>
+    <p:extLst>
+      <p:ext uri="{BB962C8B-B14F-4D97-AF65-F5344CB8AC3E}">
+        <p14:creationId xmlns:p14="http://schemas.microsoft.com/office/powerpoint/2010/main" val="2968388444"/>
+      </p:ext>
+    </p:extLst>
+  </p:cSld>
+  <p:clrMapOvr>
+    <a:masterClrMapping/>
+  </p:clrMapOvr>
+</p:sld>
+</file>
+
+<file path=ppt/slides/slide3.xml><?xml version="1.0" encoding="utf-8"?>
+<p:sld xmlns:a="http://schemas.openxmlformats.org/drawingml/2006/main" xmlns:r="http://schemas.openxmlformats.org/officeDocument/2006/relationships" xmlns:p="http://schemas.openxmlformats.org/presentationml/2006/main">
+  <p:cSld>
+    <p:spTree>
+      <p:nvGrpSpPr>
+        <p:cNvPr id="1" name=""/>
+        <p:cNvGrpSpPr/>
+        <p:nvPr/>
+      </p:nvGrpSpPr>
+      <p:grpSpPr>
+        <a:xfrm>
+          <a:off x="0" y="0"/>
+          <a:ext cx="0" cy="0"/>
+          <a:chOff x="0" y="0"/>
+          <a:chExt cx="0" cy="0"/>
+        </a:xfrm>
+      </p:grpSpPr>
+      <p:sp>
+        <p:nvSpPr>
+          <p:cNvPr id="2" name="Title 1">
+            <a:extLst>
+              <a:ext uri="{FF2B5EF4-FFF2-40B4-BE49-F238E27FC236}">
+                <a16:creationId xmlns:a16="http://schemas.microsoft.com/office/drawing/2014/main" id="{27401C99-1987-4DDA-9BD8-C47A4874380D}"/>
+              </a:ext>
+            </a:extLst>
+          </p:cNvPr>
+          <p:cNvSpPr>
+            <a:spLocks noGrp="1"/>
+          </p:cNvSpPr>
+          <p:nvPr>
+            <p:ph type="title"/>
+          </p:nvPr>
+        </p:nvSpPr>
+        <p:spPr/>
+        <p:txBody>
+          <a:bodyPr/>
+          <a:lstStyle/>
+          <a:p>
+            <a:r>
+              <a:rPr lang="en-US">
+                <a:cs typeface="Calibri Light"/>
+              </a:rPr>
+              <a:t>ground rules</a:t>
+            </a:r>
+            <a:endParaRPr lang="en-US"/>
+          </a:p>
+        </p:txBody>
+      </p:sp>
+      <p:sp>
+        <p:nvSpPr>
+          <p:cNvPr id="3" name="Content Placeholder 2">
+            <a:extLst>
+              <a:ext uri="{FF2B5EF4-FFF2-40B4-BE49-F238E27FC236}">
+                <a16:creationId xmlns:a16="http://schemas.microsoft.com/office/drawing/2014/main" id="{C9592A17-C0D4-468F-AD2B-FB8CE21AC6D5}"/>
+              </a:ext>
+            </a:extLst>
+          </p:cNvPr>
+          <p:cNvSpPr>
+            <a:spLocks noGrp="1"/>
+          </p:cNvSpPr>
+          <p:nvPr>
+            <p:ph idx="1"/>
+          </p:nvPr>
+        </p:nvSpPr>
+        <p:spPr>
+          <a:xfrm>
+            <a:off x="838200" y="2415096"/>
+            <a:ext cx="10515600" cy="3761867"/>
+          </a:xfrm>
+        </p:spPr>
+        <p:txBody>
+          <a:bodyPr vert="horz" lIns="91440" tIns="45720" rIns="91440" bIns="45720" rtlCol="0" anchor="t">
+            <a:normAutofit/>
+          </a:bodyPr>
+          <a:lstStyle/>
+          <a:p>
+            <a:r>
+              <a:rPr lang="en-US">
+                <a:cs typeface="Calibri"/>
+              </a:rPr>
+              <a:t>when are scheduled bio breaks?</a:t>
+            </a:r>
+          </a:p>
+          <a:p>
+            <a:r>
+              <a:rPr lang="en-US">
+                <a:cs typeface="Calibri"/>
+              </a:rPr>
+              <a:t>Also, it is acceptable to get up at any time and take a bathroom break</a:t>
+            </a:r>
+            <a:endParaRPr lang="en-US" dirty="0">
+              <a:cs typeface="Calibri"/>
+            </a:endParaRPr>
+          </a:p>
+          <a:p>
+            <a:endParaRPr lang="en-US" dirty="0">
+              <a:cs typeface="Calibri"/>
+            </a:endParaRPr>
+          </a:p>
+          <a:p>
+            <a:r>
+              <a:rPr lang="en-US">
+                <a:cs typeface="Calibri"/>
+              </a:rPr>
+              <a:t>raise your hand if you have a question</a:t>
+            </a:r>
+            <a:endParaRPr lang="en-US" dirty="0">
+              <a:cs typeface="Calibri"/>
+            </a:endParaRPr>
+          </a:p>
+          <a:p>
+            <a:endParaRPr lang="en-US" dirty="0">
+              <a:cs typeface="Calibri"/>
+            </a:endParaRPr>
+          </a:p>
+          <a:p>
+            <a:r>
+              <a:rPr lang="en-US">
+                <a:cs typeface="Calibri"/>
+              </a:rPr>
+              <a:t>it is acceptable to occasionally not participate</a:t>
+            </a:r>
+            <a:endParaRPr lang="en-US" dirty="0">
+              <a:cs typeface="Calibri"/>
+            </a:endParaRPr>
+          </a:p>
+        </p:txBody>
+      </p:sp>
+    </p:spTree>
+    <p:extLst>
+      <p:ext uri="{BB962C8B-B14F-4D97-AF65-F5344CB8AC3E}">
+        <p14:creationId xmlns:p14="http://schemas.microsoft.com/office/powerpoint/2010/main" val="3638516464"/>
+      </p:ext>
+    </p:extLst>
+  </p:cSld>
+  <p:clrMapOvr>
+    <a:masterClrMapping/>
+  </p:clrMapOvr>
+</p:sld>
+</file>
+
+<file path=ppt/slides/slide30.xml><?xml version="1.0" encoding="utf-8"?>
+<p:sld xmlns:a="http://schemas.openxmlformats.org/drawingml/2006/main" xmlns:r="http://schemas.openxmlformats.org/officeDocument/2006/relationships" xmlns:p="http://schemas.openxmlformats.org/presentationml/2006/main">
+  <p:cSld>
+    <p:spTree>
+      <p:nvGrpSpPr>
+        <p:cNvPr id="1" name=""/>
+        <p:cNvGrpSpPr/>
+        <p:nvPr/>
+      </p:nvGrpSpPr>
+      <p:grpSpPr>
+        <a:xfrm>
+          <a:off x="0" y="0"/>
+          <a:ext cx="0" cy="0"/>
+          <a:chOff x="0" y="0"/>
+          <a:chExt cx="0" cy="0"/>
+        </a:xfrm>
+      </p:grpSpPr>
+      <p:sp>
+        <p:nvSpPr>
+          <p:cNvPr id="2" name="Title 1">
+            <a:extLst>
+              <a:ext uri="{FF2B5EF4-FFF2-40B4-BE49-F238E27FC236}">
+                <a16:creationId xmlns:a16="http://schemas.microsoft.com/office/drawing/2014/main" id="{7B1FE93C-CCA5-46DC-94BA-2402141BAA32}"/>
+              </a:ext>
+            </a:extLst>
+          </p:cNvPr>
+          <p:cNvSpPr>
+            <a:spLocks noGrp="1"/>
+          </p:cNvSpPr>
+          <p:nvPr>
+            <p:ph type="title"/>
+          </p:nvPr>
+        </p:nvSpPr>
+        <p:spPr/>
+        <p:txBody>
+          <a:bodyPr/>
+          <a:lstStyle/>
+          <a:p>
+            <a:r>
+              <a:rPr lang="en-US">
+                <a:cs typeface="Calibri Light"/>
+              </a:rPr>
+              <a:t>iterating with customers</a:t>
+            </a:r>
+            <a:endParaRPr lang="en-US"/>
+          </a:p>
+        </p:txBody>
+      </p:sp>
+      <p:sp>
+        <p:nvSpPr>
+          <p:cNvPr id="3" name="Content Placeholder 2">
+            <a:extLst>
+              <a:ext uri="{FF2B5EF4-FFF2-40B4-BE49-F238E27FC236}">
+                <a16:creationId xmlns:a16="http://schemas.microsoft.com/office/drawing/2014/main" id="{B34CCA8B-EB7D-49D2-94BF-CF38A4B77E1B}"/>
+              </a:ext>
+            </a:extLst>
+          </p:cNvPr>
+          <p:cNvSpPr>
+            <a:spLocks noGrp="1"/>
+          </p:cNvSpPr>
+          <p:nvPr>
+            <p:ph idx="1"/>
+          </p:nvPr>
+        </p:nvSpPr>
+        <p:spPr/>
+        <p:txBody>
+          <a:bodyPr vert="horz" lIns="91440" tIns="45720" rIns="91440" bIns="45720" rtlCol="0" anchor="t">
+            <a:normAutofit/>
+          </a:bodyPr>
+          <a:lstStyle/>
+          <a:p>
+            <a:r>
+              <a:rPr lang="en-US">
+                <a:cs typeface="Calibri"/>
+              </a:rPr>
+              <a:t>as a data scientist, you'll often be working for someone other than yourself.</a:t>
+            </a:r>
+          </a:p>
+          <a:p>
+            <a:endParaRPr lang="en-US"/>
+          </a:p>
+          <a:p>
+            <a:r>
+              <a:rPr lang="en-US">
+                <a:cs typeface="Calibri"/>
+              </a:rPr>
+              <a:t>Expect under-specified requirements from customers. Iterate.</a:t>
+            </a:r>
+            <a:endParaRPr lang="en-US"/>
+          </a:p>
+          <a:p>
+            <a:endParaRPr lang="en-US"/>
+          </a:p>
+          <a:p>
+            <a:r>
+              <a:rPr lang="en-US">
+                <a:cs typeface="Calibri"/>
+              </a:rPr>
+              <a:t>Provide incomplete solutions rather than waiting until the product is perfect.</a:t>
+            </a:r>
+            <a:endParaRPr lang="en-US"/>
+          </a:p>
+          <a:p>
+            <a:r>
+              <a:rPr lang="en-US" dirty="0">
+                <a:cs typeface="Calibri"/>
+                <a:hlinkClick r:id="rId2"/>
+              </a:rPr>
+              <a:t>https://en.wikipedia.org/wiki/Minimum_viable_product</a:t>
+            </a:r>
+            <a:endParaRPr lang="en-US"/>
+          </a:p>
+          <a:p>
+            <a:endParaRPr lang="en-US" dirty="0">
+              <a:cs typeface="Calibri"/>
+            </a:endParaRPr>
+          </a:p>
+        </p:txBody>
+      </p:sp>
+    </p:spTree>
+    <p:extLst>
+      <p:ext uri="{BB962C8B-B14F-4D97-AF65-F5344CB8AC3E}">
+        <p14:creationId xmlns:p14="http://schemas.microsoft.com/office/powerpoint/2010/main" val="1824397595"/>
+      </p:ext>
+    </p:extLst>
+  </p:cSld>
+  <p:clrMapOvr>
+    <a:masterClrMapping/>
+  </p:clrMapOvr>
+</p:sld>
+</file>
+
+<file path=ppt/slides/slide31.xml><?xml version="1.0" encoding="utf-8"?>
+<p:sld xmlns:a="http://schemas.openxmlformats.org/drawingml/2006/main" xmlns:r="http://schemas.openxmlformats.org/officeDocument/2006/relationships" xmlns:p="http://schemas.openxmlformats.org/presentationml/2006/main">
+  <p:cSld>
+    <p:spTree>
+      <p:nvGrpSpPr>
+        <p:cNvPr id="1" name=""/>
+        <p:cNvGrpSpPr/>
+        <p:nvPr/>
+      </p:nvGrpSpPr>
+      <p:grpSpPr>
+        <a:xfrm>
+          <a:off x="0" y="0"/>
+          <a:ext cx="0" cy="0"/>
+          <a:chOff x="0" y="0"/>
+          <a:chExt cx="0" cy="0"/>
+        </a:xfrm>
+      </p:grpSpPr>
+      <p:sp>
+        <p:nvSpPr>
+          <p:cNvPr id="2" name="Title 1">
+            <a:extLst>
+              <a:ext uri="{FF2B5EF4-FFF2-40B4-BE49-F238E27FC236}">
+                <a16:creationId xmlns:a16="http://schemas.microsoft.com/office/drawing/2014/main" id="{6152155A-7004-48CA-B1F2-E45C288D506B}"/>
+              </a:ext>
+            </a:extLst>
+          </p:cNvPr>
+          <p:cNvSpPr>
+            <a:spLocks noGrp="1"/>
+          </p:cNvSpPr>
+          <p:nvPr>
+            <p:ph type="title"/>
+          </p:nvPr>
+        </p:nvSpPr>
+        <p:spPr>
+          <a:xfrm>
+            <a:off x="838200" y="365125"/>
+            <a:ext cx="10515600" cy="2518883"/>
+          </a:xfrm>
+        </p:spPr>
+        <p:txBody>
+          <a:bodyPr>
+            <a:normAutofit/>
+          </a:bodyPr>
+          <a:lstStyle/>
+          <a:p>
+            <a:r>
+              <a:rPr lang="en-US">
+                <a:cs typeface="Calibri Light"/>
+              </a:rPr>
+              <a:t>when to persist, </a:t>
+            </a:r>
+            <a:br>
+              <a:rPr lang="en-US" dirty="0">
+                <a:cs typeface="Calibri Light"/>
+              </a:rPr>
+            </a:br>
+            <a:r>
+              <a:rPr lang="en-US">
+                <a:cs typeface="Calibri Light"/>
+              </a:rPr>
+              <a:t>when to change course, </a:t>
+            </a:r>
+            <a:br>
+              <a:rPr lang="en-US" dirty="0">
+                <a:cs typeface="Calibri Light"/>
+              </a:rPr>
+            </a:br>
+            <a:r>
+              <a:rPr lang="en-US">
+                <a:cs typeface="Calibri Light"/>
+              </a:rPr>
+              <a:t>when to seek help</a:t>
+            </a:r>
+            <a:endParaRPr lang="en-US"/>
+          </a:p>
+        </p:txBody>
+      </p:sp>
+      <p:sp>
+        <p:nvSpPr>
+          <p:cNvPr id="3" name="Content Placeholder 2">
+            <a:extLst>
+              <a:ext uri="{FF2B5EF4-FFF2-40B4-BE49-F238E27FC236}">
+                <a16:creationId xmlns:a16="http://schemas.microsoft.com/office/drawing/2014/main" id="{D850296D-7AB8-48C8-BA9B-87C0E5E36123}"/>
+              </a:ext>
+            </a:extLst>
+          </p:cNvPr>
+          <p:cNvSpPr>
+            <a:spLocks noGrp="1"/>
+          </p:cNvSpPr>
+          <p:nvPr>
+            <p:ph idx="1"/>
+          </p:nvPr>
+        </p:nvSpPr>
+        <p:spPr>
+          <a:xfrm>
+            <a:off x="421257" y="3550907"/>
+            <a:ext cx="11349486" cy="2669188"/>
+          </a:xfrm>
+        </p:spPr>
+        <p:txBody>
+          <a:bodyPr vert="horz" lIns="91440" tIns="45720" rIns="91440" bIns="45720" rtlCol="0" anchor="t">
+            <a:normAutofit/>
+          </a:bodyPr>
+          <a:lstStyle/>
+          <a:p>
+            <a:pPr marL="0" indent="0">
+              <a:buNone/>
+            </a:pPr>
+            <a:r>
+              <a:rPr lang="en-US" dirty="0">
+                <a:cs typeface="Calibri"/>
+              </a:rPr>
+              <a:t>try an attack for 30 minutes, then seek help or do something else for a while</a:t>
+            </a:r>
+          </a:p>
+        </p:txBody>
+      </p:sp>
+    </p:spTree>
+    <p:extLst>
+      <p:ext uri="{BB962C8B-B14F-4D97-AF65-F5344CB8AC3E}">
+        <p14:creationId xmlns:p14="http://schemas.microsoft.com/office/powerpoint/2010/main" val="3368428427"/>
+      </p:ext>
+    </p:extLst>
+  </p:cSld>
+  <p:clrMapOvr>
+    <a:masterClrMapping/>
+  </p:clrMapOvr>
+</p:sld>
+</file>
+
+<file path=ppt/slides/slide32.xml><?xml version="1.0" encoding="utf-8"?>
+<p:sld xmlns:a="http://schemas.openxmlformats.org/drawingml/2006/main" xmlns:r="http://schemas.openxmlformats.org/officeDocument/2006/relationships" xmlns:p="http://schemas.openxmlformats.org/presentationml/2006/main">
+  <p:cSld>
+    <p:spTree>
+      <p:nvGrpSpPr>
+        <p:cNvPr id="1" name=""/>
+        <p:cNvGrpSpPr/>
+        <p:nvPr/>
+      </p:nvGrpSpPr>
+      <p:grpSpPr>
+        <a:xfrm>
+          <a:off x="0" y="0"/>
+          <a:ext cx="0" cy="0"/>
+          <a:chOff x="0" y="0"/>
+          <a:chExt cx="0" cy="0"/>
+        </a:xfrm>
+      </p:grpSpPr>
+      <p:sp>
+        <p:nvSpPr>
+          <p:cNvPr id="2" name="Title 1">
+            <a:extLst>
+              <a:ext uri="{FF2B5EF4-FFF2-40B4-BE49-F238E27FC236}">
                 <a16:creationId xmlns:a16="http://schemas.microsoft.com/office/drawing/2014/main" id="{6B27E7C5-36AF-49FB-BD1D-1A01AA82E252}"/>
               </a:ext>
             </a:extLst>
@@ -8079,7 +9567,7 @@
 </p:sld>
 </file>
 
-<file path=ppt/slides/slide29.xml><?xml version="1.0" encoding="utf-8"?>
+<file path=ppt/slides/slide33.xml><?xml version="1.0" encoding="utf-8"?>
 <p:sld xmlns:a="http://schemas.openxmlformats.org/drawingml/2006/main" xmlns:r="http://schemas.openxmlformats.org/officeDocument/2006/relationships" xmlns:p="http://schemas.openxmlformats.org/presentationml/2006/main">
   <p:cSld>
     <p:bg>
@@ -8640,148 +10128,7 @@
 </p:sld>
 </file>
 
-<file path=ppt/slides/slide3.xml><?xml version="1.0" encoding="utf-8"?>
-<p:sld xmlns:a="http://schemas.openxmlformats.org/drawingml/2006/main" xmlns:r="http://schemas.openxmlformats.org/officeDocument/2006/relationships" xmlns:p="http://schemas.openxmlformats.org/presentationml/2006/main">
-  <p:cSld>
-    <p:spTree>
-      <p:nvGrpSpPr>
-        <p:cNvPr id="1" name=""/>
-        <p:cNvGrpSpPr/>
-        <p:nvPr/>
-      </p:nvGrpSpPr>
-      <p:grpSpPr>
-        <a:xfrm>
-          <a:off x="0" y="0"/>
-          <a:ext cx="0" cy="0"/>
-          <a:chOff x="0" y="0"/>
-          <a:chExt cx="0" cy="0"/>
-        </a:xfrm>
-      </p:grpSpPr>
-      <p:sp>
-        <p:nvSpPr>
-          <p:cNvPr id="2" name="Title 1">
-            <a:extLst>
-              <a:ext uri="{FF2B5EF4-FFF2-40B4-BE49-F238E27FC236}">
-                <a16:creationId xmlns:a16="http://schemas.microsoft.com/office/drawing/2014/main" id="{27401C99-1987-4DDA-9BD8-C47A4874380D}"/>
-              </a:ext>
-            </a:extLst>
-          </p:cNvPr>
-          <p:cNvSpPr>
-            <a:spLocks noGrp="1"/>
-          </p:cNvSpPr>
-          <p:nvPr>
-            <p:ph type="title"/>
-          </p:nvPr>
-        </p:nvSpPr>
-        <p:spPr/>
-        <p:txBody>
-          <a:bodyPr/>
-          <a:lstStyle/>
-          <a:p>
-            <a:r>
-              <a:rPr lang="en-US">
-                <a:cs typeface="Calibri Light"/>
-              </a:rPr>
-              <a:t>ground rules</a:t>
-            </a:r>
-            <a:endParaRPr lang="en-US"/>
-          </a:p>
-        </p:txBody>
-      </p:sp>
-      <p:sp>
-        <p:nvSpPr>
-          <p:cNvPr id="3" name="Content Placeholder 2">
-            <a:extLst>
-              <a:ext uri="{FF2B5EF4-FFF2-40B4-BE49-F238E27FC236}">
-                <a16:creationId xmlns:a16="http://schemas.microsoft.com/office/drawing/2014/main" id="{C9592A17-C0D4-468F-AD2B-FB8CE21AC6D5}"/>
-              </a:ext>
-            </a:extLst>
-          </p:cNvPr>
-          <p:cNvSpPr>
-            <a:spLocks noGrp="1"/>
-          </p:cNvSpPr>
-          <p:nvPr>
-            <p:ph idx="1"/>
-          </p:nvPr>
-        </p:nvSpPr>
-        <p:spPr>
-          <a:xfrm>
-            <a:off x="838200" y="2415096"/>
-            <a:ext cx="10515600" cy="3761867"/>
-          </a:xfrm>
-        </p:spPr>
-        <p:txBody>
-          <a:bodyPr vert="horz" lIns="91440" tIns="45720" rIns="91440" bIns="45720" rtlCol="0" anchor="t">
-            <a:normAutofit/>
-          </a:bodyPr>
-          <a:lstStyle/>
-          <a:p>
-            <a:r>
-              <a:rPr lang="en-US">
-                <a:cs typeface="Calibri"/>
-              </a:rPr>
-              <a:t>when are scheduled bio breaks?</a:t>
-            </a:r>
-          </a:p>
-          <a:p>
-            <a:r>
-              <a:rPr lang="en-US">
-                <a:cs typeface="Calibri"/>
-              </a:rPr>
-              <a:t>Also, it is acceptable to get up at any time and take a bathroom break</a:t>
-            </a:r>
-            <a:endParaRPr lang="en-US" dirty="0">
-              <a:cs typeface="Calibri"/>
-            </a:endParaRPr>
-          </a:p>
-          <a:p>
-            <a:endParaRPr lang="en-US" dirty="0">
-              <a:cs typeface="Calibri"/>
-            </a:endParaRPr>
-          </a:p>
-          <a:p>
-            <a:r>
-              <a:rPr lang="en-US">
-                <a:cs typeface="Calibri"/>
-              </a:rPr>
-              <a:t>raise your hand if you have a question</a:t>
-            </a:r>
-            <a:endParaRPr lang="en-US" dirty="0">
-              <a:cs typeface="Calibri"/>
-            </a:endParaRPr>
-          </a:p>
-          <a:p>
-            <a:endParaRPr lang="en-US" dirty="0">
-              <a:cs typeface="Calibri"/>
-            </a:endParaRPr>
-          </a:p>
-          <a:p>
-            <a:r>
-              <a:rPr lang="en-US">
-                <a:cs typeface="Calibri"/>
-              </a:rPr>
-              <a:t>it is acceptable to occasionally not participate</a:t>
-            </a:r>
-            <a:endParaRPr lang="en-US" dirty="0">
-              <a:cs typeface="Calibri"/>
-            </a:endParaRPr>
-          </a:p>
-        </p:txBody>
-      </p:sp>
-    </p:spTree>
-    <p:extLst>
-      <p:ext uri="{BB962C8B-B14F-4D97-AF65-F5344CB8AC3E}">
-        <p14:creationId xmlns:p14="http://schemas.microsoft.com/office/powerpoint/2010/main" val="3638516464"/>
-      </p:ext>
-    </p:extLst>
-  </p:cSld>
-  <p:clrMapOvr>
-    <a:masterClrMapping/>
-  </p:clrMapOvr>
-</p:sld>
-</file>
-
-<file path=ppt/slides/slide30.xml><?xml version="1.0" encoding="utf-8"?>
+<file path=ppt/slides/slide34.xml><?xml version="1.0" encoding="utf-8"?>
 <p:sld xmlns:a="http://schemas.openxmlformats.org/drawingml/2006/main" xmlns:r="http://schemas.openxmlformats.org/officeDocument/2006/relationships" xmlns:p="http://schemas.openxmlformats.org/presentationml/2006/main">
   <p:cSld>
     <p:spTree>
@@ -9526,6 +10873,50 @@
           </a:p>
         </p:txBody>
       </p:sp>
+      <p:sp>
+        <p:nvSpPr>
+          <p:cNvPr id="3" name="TextBox 2">
+            <a:extLst>
+              <a:ext uri="{FF2B5EF4-FFF2-40B4-BE49-F238E27FC236}">
+                <a16:creationId xmlns:a16="http://schemas.microsoft.com/office/drawing/2014/main" id="{2D766B0D-42AD-4BAD-8658-4DF1AE30064F}"/>
+              </a:ext>
+            </a:extLst>
+          </p:cNvPr>
+          <p:cNvSpPr txBox="1"/>
+          <p:nvPr/>
+        </p:nvSpPr>
+        <p:spPr>
+          <a:xfrm>
+            <a:off x="-5751" y="475890"/>
+            <a:ext cx="3361426" cy="523220"/>
+          </a:xfrm>
+          <a:prstGeom prst="rect">
+            <a:avLst/>
+          </a:prstGeom>
+        </p:spPr>
+        <p:txBody>
+          <a:bodyPr rot="0" spcFirstLastPara="0" vertOverflow="overflow" horzOverflow="overflow" vert="horz" wrap="square" lIns="91440" tIns="45720" rIns="91440" bIns="45720" numCol="1" spcCol="0" rtlCol="0" fromWordArt="0" anchor="t" anchorCtr="0" forceAA="0" compatLnSpc="1">
+            <a:prstTxWarp prst="textNoShape">
+              <a:avLst/>
+            </a:prstTxWarp>
+            <a:spAutoFit/>
+          </a:bodyPr>
+          <a:lstStyle/>
+          <a:p>
+            <a:pPr algn="ctr"/>
+            <a:r>
+              <a:rPr lang="en-US" sz="2800" dirty="0"/>
+              <a:t>There's a lot </a:t>
+            </a:r>
+            <a:r>
+              <a:rPr lang="en-US" sz="2800" dirty="0">
+                <a:cs typeface="Calibri"/>
+              </a:rPr>
+              <a:t>to cover</a:t>
+            </a:r>
+          </a:p>
+        </p:txBody>
+      </p:sp>
     </p:spTree>
     <p:extLst>
       <p:ext uri="{BB962C8B-B14F-4D97-AF65-F5344CB8AC3E}">
@@ -9704,21 +11095,16 @@
           </a:bodyPr>
           <a:lstStyle/>
           <a:p>
+            <a:pPr marL="0" indent="0">
+              <a:buNone/>
+            </a:pPr>
             <a:r>
               <a:rPr lang="en-US" dirty="0">
                 <a:cs typeface="Calibri"/>
               </a:rPr>
-              <a:t>There's a lot to learn. </a:t>
-            </a:r>
-            <a:endParaRPr lang="en-US"/>
-          </a:p>
-          <a:p>
-            <a:r>
-              <a:rPr lang="en-US" dirty="0">
-                <a:cs typeface="Calibri"/>
-              </a:rPr>
-              <a:t>Know enough to be conversant. </a:t>
-            </a:r>
+              <a:t>--&gt; Know enough to be conversant. </a:t>
+            </a:r>
+            <a:endParaRPr lang="en-US" dirty="0"/>
           </a:p>
           <a:p>
             <a:r>
